--- a/2024/Lec/Юнит 2 - модели временных рядов.pptx
+++ b/2024/Lec/Юнит 2 - модели временных рядов.pptx
@@ -22,12 +22,6 @@
     <p:sldId id="274" r:id="rId16"/>
     <p:sldId id="266" r:id="rId17"/>
     <p:sldId id="268" r:id="rId18"/>
-    <p:sldId id="338" r:id="rId19"/>
-    <p:sldId id="321" r:id="rId20"/>
-    <p:sldId id="320" r:id="rId21"/>
-    <p:sldId id="319" r:id="rId22"/>
-    <p:sldId id="345" r:id="rId23"/>
-    <p:sldId id="346" r:id="rId24"/>
   </p:sldIdLst>
   <p:sldSz cx="12192000" cy="6858000"/>
   <p:notesSz cx="6858000" cy="9144000"/>
@@ -283,7 +277,7 @@
           <a:p>
             <a:fld id="{44343DC6-30E4-4569-999A-C703F926F2AF}" type="datetimeFigureOut">
               <a:rPr lang="en-US" smtClean="0"/>
-              <a:t>8/11/2023</a:t>
+              <a:t>2/15/2024</a:t>
             </a:fld>
             <a:endParaRPr lang="en-US"/>
           </a:p>
@@ -483,7 +477,7 @@
           <a:p>
             <a:fld id="{44343DC6-30E4-4569-999A-C703F926F2AF}" type="datetimeFigureOut">
               <a:rPr lang="en-US" smtClean="0"/>
-              <a:t>8/11/2023</a:t>
+              <a:t>2/15/2024</a:t>
             </a:fld>
             <a:endParaRPr lang="en-US"/>
           </a:p>
@@ -693,7 +687,7 @@
           <a:p>
             <a:fld id="{44343DC6-30E4-4569-999A-C703F926F2AF}" type="datetimeFigureOut">
               <a:rPr lang="en-US" smtClean="0"/>
-              <a:t>8/11/2023</a:t>
+              <a:t>2/15/2024</a:t>
             </a:fld>
             <a:endParaRPr lang="en-US"/>
           </a:p>
@@ -893,7 +887,7 @@
           <a:p>
             <a:fld id="{44343DC6-30E4-4569-999A-C703F926F2AF}" type="datetimeFigureOut">
               <a:rPr lang="en-US" smtClean="0"/>
-              <a:t>8/11/2023</a:t>
+              <a:t>2/15/2024</a:t>
             </a:fld>
             <a:endParaRPr lang="en-US"/>
           </a:p>
@@ -1169,7 +1163,7 @@
           <a:p>
             <a:fld id="{44343DC6-30E4-4569-999A-C703F926F2AF}" type="datetimeFigureOut">
               <a:rPr lang="en-US" smtClean="0"/>
-              <a:t>8/11/2023</a:t>
+              <a:t>2/15/2024</a:t>
             </a:fld>
             <a:endParaRPr lang="en-US"/>
           </a:p>
@@ -1437,7 +1431,7 @@
           <a:p>
             <a:fld id="{44343DC6-30E4-4569-999A-C703F926F2AF}" type="datetimeFigureOut">
               <a:rPr lang="en-US" smtClean="0"/>
-              <a:t>8/11/2023</a:t>
+              <a:t>2/15/2024</a:t>
             </a:fld>
             <a:endParaRPr lang="en-US"/>
           </a:p>
@@ -1852,7 +1846,7 @@
           <a:p>
             <a:fld id="{44343DC6-30E4-4569-999A-C703F926F2AF}" type="datetimeFigureOut">
               <a:rPr lang="en-US" smtClean="0"/>
-              <a:t>8/11/2023</a:t>
+              <a:t>2/15/2024</a:t>
             </a:fld>
             <a:endParaRPr lang="en-US"/>
           </a:p>
@@ -1994,7 +1988,7 @@
           <a:p>
             <a:fld id="{44343DC6-30E4-4569-999A-C703F926F2AF}" type="datetimeFigureOut">
               <a:rPr lang="en-US" smtClean="0"/>
-              <a:t>8/11/2023</a:t>
+              <a:t>2/15/2024</a:t>
             </a:fld>
             <a:endParaRPr lang="en-US"/>
           </a:p>
@@ -2107,7 +2101,7 @@
           <a:p>
             <a:fld id="{44343DC6-30E4-4569-999A-C703F926F2AF}" type="datetimeFigureOut">
               <a:rPr lang="en-US" smtClean="0"/>
-              <a:t>8/11/2023</a:t>
+              <a:t>2/15/2024</a:t>
             </a:fld>
             <a:endParaRPr lang="en-US"/>
           </a:p>
@@ -2420,7 +2414,7 @@
           <a:p>
             <a:fld id="{44343DC6-30E4-4569-999A-C703F926F2AF}" type="datetimeFigureOut">
               <a:rPr lang="en-US" smtClean="0"/>
-              <a:t>8/11/2023</a:t>
+              <a:t>2/15/2024</a:t>
             </a:fld>
             <a:endParaRPr lang="en-US"/>
           </a:p>
@@ -2709,7 +2703,7 @@
           <a:p>
             <a:fld id="{44343DC6-30E4-4569-999A-C703F926F2AF}" type="datetimeFigureOut">
               <a:rPr lang="en-US" smtClean="0"/>
-              <a:t>8/11/2023</a:t>
+              <a:t>2/15/2024</a:t>
             </a:fld>
             <a:endParaRPr lang="en-US"/>
           </a:p>
@@ -2952,7 +2946,7 @@
           <a:p>
             <a:fld id="{44343DC6-30E4-4569-999A-C703F926F2AF}" type="datetimeFigureOut">
               <a:rPr lang="en-US" smtClean="0"/>
-              <a:t>8/11/2023</a:t>
+              <a:t>2/15/2024</a:t>
             </a:fld>
             <a:endParaRPr lang="en-US"/>
           </a:p>
@@ -4615,8 +4609,8 @@
           </a:p>
         </p:txBody>
       </p:sp>
-      <mc:AlternateContent xmlns:mc="http://schemas.openxmlformats.org/markup-compatibility/2006" xmlns:a14="http://schemas.microsoft.com/office/drawing/2010/main">
-        <mc:Choice Requires="a14">
+      <mc:AlternateContent xmlns:mc="http://schemas.openxmlformats.org/markup-compatibility/2006">
+        <mc:Choice xmlns:a14="http://schemas.microsoft.com/office/drawing/2010/main" Requires="a14">
           <p:sp>
             <p:nvSpPr>
               <p:cNvPr id="3" name="Объект 2">
@@ -4657,7 +4651,7 @@
                   </a:spcAft>
                 </a:pPr>
                 <a:r>
-                  <a:rPr kumimoji="0" lang="ru-RU" altLang="en-US" sz="2400" b="0" i="0" u="none" strike="noStrike" cap="none" normalizeH="0" baseline="0" dirty="0">
+                  <a:rPr kumimoji="0" lang="ru-RU" altLang="en-US" sz="2400" b="0" i="0" u="none" strike="noStrike" cap="none" normalizeH="0" baseline="0" dirty="0" smtClean="0">
                     <a:ln>
                       <a:noFill/>
                     </a:ln>
@@ -5012,16 +5006,16 @@
                   <a:t>В противоположность </a:t>
                 </a:r>
                 <a:r>
-                  <a:rPr lang="ru-RU" altLang="en-US" dirty="0" err="1">
+                  <a:rPr lang="ru-RU" altLang="en-US" dirty="0" smtClean="0">
                     <a:latin typeface="Open Sans"/>
                   </a:rPr>
-                  <a:t>мультиплекативной</a:t>
+                  <a:t>мультипликативной, </a:t>
                 </a:r>
                 <a:r>
                   <a:rPr lang="ru-RU" altLang="en-US" dirty="0">
                     <a:latin typeface="Open Sans"/>
                   </a:rPr>
-                  <a:t>, приведенная выше модель может назваться аддитивной</a:t>
+                  <a:t>приведенная выше модель может назваться аддитивной</a:t>
                 </a:r>
                 <a:r>
                   <a:rPr kumimoji="0" lang="en-US" altLang="en-US" b="0" i="0" u="none" strike="noStrike" cap="none" normalizeH="0" baseline="0" dirty="0">
@@ -5620,18 +5614,369 @@
                   </a:spcAft>
                 </a:pPr>
                 <a:r>
-                  <a:rPr lang="ru-RU" altLang="en-US" dirty="0">
+                  <a:rPr lang="ru-RU" altLang="en-US" dirty="0" smtClean="0">
                     <a:latin typeface="Open Sans"/>
                   </a:rPr>
                   <a:t>В более общих и сложных случаях модель может иметь несколько составляющих тренда или других компоненты, находящихся в некоторых (необязательно линейных) отношениях одна к другой</a:t>
                 </a:r>
                 <a:r>
-                  <a:rPr lang="ru-RU" altLang="en-US" sz="2000" dirty="0">
+                  <a:rPr lang="ru-RU" altLang="en-US" sz="2000" dirty="0" smtClean="0">
                     <a:latin typeface="Open Sans"/>
                   </a:rPr>
                   <a:t>.</a:t>
                 </a:r>
-                <a:endParaRPr kumimoji="0" lang="en-US" altLang="en-US" sz="2000" b="0" i="0" u="none" strike="noStrike" cap="none" normalizeH="0" baseline="0" dirty="0">
+              </a:p>
+              <a:p>
+                <a:pPr lvl="2" eaLnBrk="0" fontAlgn="base" hangingPunct="0">
+                  <a:lnSpc>
+                    <a:spcPct val="114000"/>
+                  </a:lnSpc>
+                  <a:spcBef>
+                    <a:spcPct val="0"/>
+                  </a:spcBef>
+                  <a:spcAft>
+                    <a:spcPct val="0"/>
+                  </a:spcAft>
+                </a:pPr>
+                <a14:m>
+                  <m:oMath xmlns:m="http://schemas.openxmlformats.org/officeDocument/2006/math">
+                    <m:r>
+                      <a:rPr lang="en-US" altLang="en-US" sz="1600" i="1" dirty="0">
+                        <a:latin typeface="Cambria Math" panose="02040503050406030204" pitchFamily="18" charset="0"/>
+                      </a:rPr>
+                      <m:t>𝑦</m:t>
+                    </m:r>
+                    <m:d>
+                      <m:dPr>
+                        <m:ctrlPr>
+                          <a:rPr lang="en-US" altLang="en-US" sz="1600" i="1" dirty="0">
+                            <a:latin typeface="Cambria Math" panose="02040503050406030204" pitchFamily="18" charset="0"/>
+                          </a:rPr>
+                        </m:ctrlPr>
+                      </m:dPr>
+                      <m:e>
+                        <m:r>
+                          <a:rPr lang="en-US" altLang="en-US" sz="1600" i="1" dirty="0">
+                            <a:latin typeface="Cambria Math" panose="02040503050406030204" pitchFamily="18" charset="0"/>
+                          </a:rPr>
+                          <m:t>𝑡</m:t>
+                        </m:r>
+                      </m:e>
+                    </m:d>
+                    <m:r>
+                      <a:rPr lang="en-US" altLang="en-US" sz="1600" i="1" dirty="0">
+                        <a:latin typeface="Cambria Math" panose="02040503050406030204" pitchFamily="18" charset="0"/>
+                      </a:rPr>
+                      <m:t>= </m:t>
+                    </m:r>
+                    <m:sSub>
+                      <m:sSubPr>
+                        <m:ctrlPr>
+                          <a:rPr lang="en-US" altLang="en-US" sz="1600" i="1" dirty="0">
+                            <a:latin typeface="Cambria Math" panose="02040503050406030204" pitchFamily="18" charset="0"/>
+                          </a:rPr>
+                        </m:ctrlPr>
+                      </m:sSubPr>
+                      <m:e>
+                        <m:r>
+                          <a:rPr lang="en-US" altLang="en-US" sz="1600" i="1" dirty="0">
+                            <a:latin typeface="Cambria Math" panose="02040503050406030204" pitchFamily="18" charset="0"/>
+                          </a:rPr>
+                          <m:t>𝑎</m:t>
+                        </m:r>
+                      </m:e>
+                      <m:sub>
+                        <m:r>
+                          <a:rPr lang="en-US" altLang="en-US" sz="1600" i="1" dirty="0">
+                            <a:latin typeface="Cambria Math" panose="02040503050406030204" pitchFamily="18" charset="0"/>
+                          </a:rPr>
+                          <m:t>0</m:t>
+                        </m:r>
+                      </m:sub>
+                    </m:sSub>
+                    <m:r>
+                      <a:rPr lang="en-US" altLang="en-US" sz="1600" i="1" dirty="0">
+                        <a:latin typeface="Cambria Math" panose="02040503050406030204" pitchFamily="18" charset="0"/>
+                      </a:rPr>
+                      <m:t> +</m:t>
+                    </m:r>
+                    <m:func>
+                      <m:funcPr>
+                        <m:ctrlPr>
+                          <a:rPr lang="en-US" altLang="en-US" sz="1600" b="0" i="1" dirty="0" smtClean="0">
+                            <a:latin typeface="Cambria Math" panose="02040503050406030204" pitchFamily="18" charset="0"/>
+                          </a:rPr>
+                        </m:ctrlPr>
+                      </m:funcPr>
+                      <m:fName>
+                        <m:r>
+                          <m:rPr>
+                            <m:sty m:val="p"/>
+                          </m:rPr>
+                          <a:rPr lang="en-US" altLang="en-US" sz="1600" b="0" i="0" dirty="0" smtClean="0">
+                            <a:latin typeface="Cambria Math" panose="02040503050406030204" pitchFamily="18" charset="0"/>
+                          </a:rPr>
+                          <m:t>exp</m:t>
+                        </m:r>
+                      </m:fName>
+                      <m:e>
+                        <m:r>
+                          <a:rPr lang="en-US" altLang="en-US" sz="1600" i="1" dirty="0">
+                            <a:latin typeface="Cambria Math" panose="02040503050406030204" pitchFamily="18" charset="0"/>
+                          </a:rPr>
+                          <m:t>𝑗</m:t>
+                        </m:r>
+                        <m:r>
+                          <a:rPr lang="en-US" altLang="en-US" sz="1600" i="1" dirty="0">
+                            <a:latin typeface="Cambria Math" panose="02040503050406030204" pitchFamily="18" charset="0"/>
+                          </a:rPr>
+                          <m:t>2</m:t>
+                        </m:r>
+                        <m:r>
+                          <a:rPr lang="en-US" altLang="en-US" sz="1600" i="1" dirty="0">
+                            <a:latin typeface="Cambria Math" panose="02040503050406030204" pitchFamily="18" charset="0"/>
+                          </a:rPr>
+                          <m:t>𝜋</m:t>
+                        </m:r>
+                        <m:d>
+                          <m:dPr>
+                            <m:ctrlPr>
+                              <a:rPr lang="en-US" altLang="en-US" sz="1600" i="1" dirty="0">
+                                <a:latin typeface="Cambria Math" panose="02040503050406030204" pitchFamily="18" charset="0"/>
+                              </a:rPr>
+                            </m:ctrlPr>
+                          </m:dPr>
+                          <m:e>
+                            <m:r>
+                              <a:rPr lang="en-US" altLang="en-US" sz="1600" i="1" dirty="0">
+                                <a:latin typeface="Cambria Math" panose="02040503050406030204" pitchFamily="18" charset="0"/>
+                              </a:rPr>
+                              <m:t>𝑡𝑟𝑒𝑛𝑑</m:t>
+                            </m:r>
+                            <m:d>
+                              <m:dPr>
+                                <m:ctrlPr>
+                                  <a:rPr lang="en-US" altLang="en-US" sz="1600" i="1" dirty="0">
+                                    <a:latin typeface="Cambria Math" panose="02040503050406030204" pitchFamily="18" charset="0"/>
+                                  </a:rPr>
+                                </m:ctrlPr>
+                              </m:dPr>
+                              <m:e>
+                                <m:r>
+                                  <a:rPr lang="en-US" altLang="en-US" sz="1600" i="1" dirty="0">
+                                    <a:latin typeface="Cambria Math" panose="02040503050406030204" pitchFamily="18" charset="0"/>
+                                  </a:rPr>
+                                  <m:t>𝑡</m:t>
+                                </m:r>
+                              </m:e>
+                            </m:d>
+                            <m:r>
+                              <a:rPr lang="en-US" altLang="en-US" sz="1600" i="1" dirty="0">
+                                <a:latin typeface="Cambria Math" panose="02040503050406030204" pitchFamily="18" charset="0"/>
+                              </a:rPr>
+                              <m:t>⋅ </m:t>
+                            </m:r>
+                            <m:r>
+                              <a:rPr lang="en-US" altLang="en-US" sz="1600" i="1" dirty="0">
+                                <a:latin typeface="Cambria Math" panose="02040503050406030204" pitchFamily="18" charset="0"/>
+                              </a:rPr>
+                              <m:t>𝑐𝑦𝑐𝑙𝑖𝑐</m:t>
+                            </m:r>
+                            <m:d>
+                              <m:dPr>
+                                <m:ctrlPr>
+                                  <a:rPr lang="en-US" altLang="en-US" sz="1600" i="1" dirty="0">
+                                    <a:latin typeface="Cambria Math" panose="02040503050406030204" pitchFamily="18" charset="0"/>
+                                  </a:rPr>
+                                </m:ctrlPr>
+                              </m:dPr>
+                              <m:e>
+                                <m:r>
+                                  <a:rPr lang="en-US" altLang="en-US" sz="1600" i="1" dirty="0">
+                                    <a:latin typeface="Cambria Math" panose="02040503050406030204" pitchFamily="18" charset="0"/>
+                                  </a:rPr>
+                                  <m:t>𝑡</m:t>
+                                </m:r>
+                              </m:e>
+                            </m:d>
+                            <m:r>
+                              <a:rPr lang="en-US" altLang="en-US" sz="1600" i="1" dirty="0">
+                                <a:latin typeface="Cambria Math" panose="02040503050406030204" pitchFamily="18" charset="0"/>
+                              </a:rPr>
+                              <m:t>+ </m:t>
+                            </m:r>
+                            <m:r>
+                              <a:rPr lang="en-US" altLang="en-US" sz="1600" i="1" dirty="0">
+                                <a:latin typeface="Cambria Math" panose="02040503050406030204" pitchFamily="18" charset="0"/>
+                              </a:rPr>
+                              <m:t>𝑠𝑒𝑎𝑠𝑜𝑛𝑎</m:t>
+                            </m:r>
+                            <m:sSub>
+                              <m:sSubPr>
+                                <m:ctrlPr>
+                                  <a:rPr lang="en-US" altLang="en-US" sz="1600" i="1" dirty="0">
+                                    <a:latin typeface="Cambria Math" panose="02040503050406030204" pitchFamily="18" charset="0"/>
+                                  </a:rPr>
+                                </m:ctrlPr>
+                              </m:sSubPr>
+                              <m:e>
+                                <m:r>
+                                  <a:rPr lang="en-US" altLang="en-US" sz="1600" i="1" dirty="0">
+                                    <a:latin typeface="Cambria Math" panose="02040503050406030204" pitchFamily="18" charset="0"/>
+                                  </a:rPr>
+                                  <m:t>𝑙</m:t>
+                                </m:r>
+                              </m:e>
+                              <m:sub>
+                                <m:r>
+                                  <a:rPr lang="en-US" altLang="en-US" sz="1600" i="1" dirty="0">
+                                    <a:latin typeface="Cambria Math" panose="02040503050406030204" pitchFamily="18" charset="0"/>
+                                  </a:rPr>
+                                  <m:t>1</m:t>
+                                </m:r>
+                              </m:sub>
+                            </m:sSub>
+                            <m:d>
+                              <m:dPr>
+                                <m:ctrlPr>
+                                  <a:rPr lang="en-US" altLang="en-US" sz="1600" i="1" dirty="0">
+                                    <a:latin typeface="Cambria Math" panose="02040503050406030204" pitchFamily="18" charset="0"/>
+                                  </a:rPr>
+                                </m:ctrlPr>
+                              </m:dPr>
+                              <m:e>
+                                <m:r>
+                                  <a:rPr lang="en-US" altLang="en-US" sz="1600" i="1" dirty="0">
+                                    <a:latin typeface="Cambria Math" panose="02040503050406030204" pitchFamily="18" charset="0"/>
+                                  </a:rPr>
+                                  <m:t>𝑡</m:t>
+                                </m:r>
+                              </m:e>
+                            </m:d>
+                          </m:e>
+                        </m:d>
+                      </m:e>
+                    </m:func>
+                    <m:r>
+                      <a:rPr lang="en-US" altLang="en-US" sz="1600" i="1" dirty="0">
+                        <a:latin typeface="Cambria Math" panose="02040503050406030204" pitchFamily="18" charset="0"/>
+                      </a:rPr>
+                      <m:t>⋅ </m:t>
+                    </m:r>
+                    <m:r>
+                      <a:rPr lang="en-US" altLang="en-US" sz="1600" i="1" dirty="0">
+                        <a:latin typeface="Cambria Math" panose="02040503050406030204" pitchFamily="18" charset="0"/>
+                      </a:rPr>
+                      <m:t>𝑠𝑒𝑎𝑠𝑜𝑛𝑎</m:t>
+                    </m:r>
+                    <m:sSub>
+                      <m:sSubPr>
+                        <m:ctrlPr>
+                          <a:rPr lang="en-US" altLang="en-US" sz="1600" i="1" dirty="0">
+                            <a:latin typeface="Cambria Math" panose="02040503050406030204" pitchFamily="18" charset="0"/>
+                          </a:rPr>
+                        </m:ctrlPr>
+                      </m:sSubPr>
+                      <m:e>
+                        <m:r>
+                          <a:rPr lang="en-US" altLang="en-US" sz="1600" i="1" dirty="0">
+                            <a:latin typeface="Cambria Math" panose="02040503050406030204" pitchFamily="18" charset="0"/>
+                          </a:rPr>
+                          <m:t>𝑙</m:t>
+                        </m:r>
+                      </m:e>
+                      <m:sub>
+                        <m:r>
+                          <a:rPr lang="en-US" altLang="en-US" sz="1600" i="1" dirty="0">
+                            <a:latin typeface="Cambria Math" panose="02040503050406030204" pitchFamily="18" charset="0"/>
+                          </a:rPr>
+                          <m:t>2</m:t>
+                        </m:r>
+                      </m:sub>
+                    </m:sSub>
+                    <m:r>
+                      <a:rPr lang="en-US" altLang="en-US" sz="1600" i="1" dirty="0">
+                        <a:latin typeface="Cambria Math" panose="02040503050406030204" pitchFamily="18" charset="0"/>
+                      </a:rPr>
+                      <m:t>(</m:t>
+                    </m:r>
+                    <m:r>
+                      <a:rPr lang="en-US" altLang="en-US" sz="1600" i="1" dirty="0">
+                        <a:latin typeface="Cambria Math" panose="02040503050406030204" pitchFamily="18" charset="0"/>
+                      </a:rPr>
+                      <m:t>𝑡</m:t>
+                    </m:r>
+                    <m:r>
+                      <a:rPr lang="en-US" altLang="en-US" sz="1600" i="1" dirty="0">
+                        <a:latin typeface="Cambria Math" panose="02040503050406030204" pitchFamily="18" charset="0"/>
+                      </a:rPr>
+                      <m:t>) + </m:t>
+                    </m:r>
+                    <m:r>
+                      <a:rPr lang="en-US" altLang="en-US" sz="1600" i="1" dirty="0">
+                        <a:latin typeface="Cambria Math" panose="02040503050406030204" pitchFamily="18" charset="0"/>
+                      </a:rPr>
+                      <m:t>𝑛𝑜𝑖𝑠𝑒</m:t>
+                    </m:r>
+                    <m:r>
+                      <a:rPr lang="en-US" altLang="en-US" sz="1600" i="1" dirty="0">
+                        <a:latin typeface="Cambria Math" panose="02040503050406030204" pitchFamily="18" charset="0"/>
+                      </a:rPr>
+                      <m:t>(</m:t>
+                    </m:r>
+                    <m:r>
+                      <a:rPr lang="en-US" altLang="en-US" sz="1600" i="1" dirty="0">
+                        <a:latin typeface="Cambria Math" panose="02040503050406030204" pitchFamily="18" charset="0"/>
+                      </a:rPr>
+                      <m:t>𝑡</m:t>
+                    </m:r>
+                    <m:r>
+                      <a:rPr lang="en-US" altLang="en-US" sz="1600" i="1" dirty="0">
+                        <a:latin typeface="Cambria Math" panose="02040503050406030204" pitchFamily="18" charset="0"/>
+                      </a:rPr>
+                      <m:t>).</m:t>
+                    </m:r>
+                  </m:oMath>
+                </a14:m>
+                <a:endParaRPr lang="en-US" altLang="en-US" sz="1600" dirty="0" smtClean="0">
+                  <a:latin typeface="Open Sans"/>
+                </a:endParaRPr>
+              </a:p>
+              <a:p>
+                <a:pPr lvl="2" eaLnBrk="0" fontAlgn="base" hangingPunct="0">
+                  <a:lnSpc>
+                    <a:spcPct val="114000"/>
+                  </a:lnSpc>
+                  <a:spcBef>
+                    <a:spcPct val="0"/>
+                  </a:spcBef>
+                  <a:spcAft>
+                    <a:spcPct val="0"/>
+                  </a:spcAft>
+                </a:pPr>
+                <a:r>
+                  <a:rPr lang="ru-RU" altLang="en-US" sz="1600" dirty="0" smtClean="0">
+                    <a:latin typeface="Open Sans"/>
+                  </a:rPr>
+                  <a:t>Иногда в активных системах специально создают ВР сложных форм, например в связи</a:t>
+                </a:r>
+                <a:endParaRPr lang="en-US" altLang="en-US" sz="1600" dirty="0">
+                  <a:latin typeface="Open Sans"/>
+                </a:endParaRPr>
+              </a:p>
+              <a:p>
+                <a:pPr lvl="2" eaLnBrk="0" fontAlgn="base" hangingPunct="0">
+                  <a:lnSpc>
+                    <a:spcPct val="114000"/>
+                  </a:lnSpc>
+                  <a:spcBef>
+                    <a:spcPct val="0"/>
+                  </a:spcBef>
+                  <a:spcAft>
+                    <a:spcPct val="0"/>
+                  </a:spcAft>
+                </a:pPr>
+                <a:endParaRPr kumimoji="0" lang="en-US" altLang="en-US" sz="1600" b="0" i="0" u="none" strike="noStrike" cap="none" normalizeH="0" baseline="0" dirty="0">
                   <a:ln>
                     <a:noFill/>
                   </a:ln>
@@ -5645,7 +5990,7 @@
             </p:txBody>
           </p:sp>
         </mc:Choice>
-        <mc:Fallback xmlns="">
+        <mc:Fallback>
           <p:sp>
             <p:nvSpPr>
               <p:cNvPr id="3" name="Объект 2">
@@ -5670,7 +6015,7 @@
               <a:blipFill>
                 <a:blip r:embed="rId2"/>
                 <a:stretch>
-                  <a:fillRect l="-770" t="-445" r="-1430"/>
+                  <a:fillRect l="-687" t="-428" r="-1480" b="-1818"/>
                 </a:stretch>
               </a:blipFill>
             </p:spPr>
@@ -6115,8 +6460,8 @@
           </a:p>
         </p:txBody>
       </p:sp>
-      <mc:AlternateContent xmlns:mc="http://schemas.openxmlformats.org/markup-compatibility/2006" xmlns:a14="http://schemas.microsoft.com/office/drawing/2010/main">
-        <mc:Choice Requires="a14">
+      <mc:AlternateContent xmlns:mc="http://schemas.openxmlformats.org/markup-compatibility/2006">
+        <mc:Choice xmlns:a14="http://schemas.microsoft.com/office/drawing/2010/main" Requires="a14">
           <p:sp>
             <p:nvSpPr>
               <p:cNvPr id="3" name="Объект 2">
@@ -6135,16 +6480,21 @@
             </p:nvSpPr>
             <p:spPr>
               <a:xfrm>
-                <a:off x="361950" y="1152525"/>
-                <a:ext cx="10515600" cy="5340350"/>
+                <a:off x="369570" y="1127760"/>
+                <a:ext cx="10687050" cy="5595769"/>
               </a:xfrm>
             </p:spPr>
             <p:txBody>
               <a:bodyPr>
-                <a:normAutofit/>
+                <a:normAutofit fontScale="92500" lnSpcReduction="20000"/>
               </a:bodyPr>
               <a:lstStyle/>
               <a:p>
+                <a:pPr>
+                  <a:lnSpc>
+                    <a:spcPct val="110000"/>
+                  </a:lnSpc>
+                </a:pPr>
                 <a:r>
                   <a:rPr lang="ru-RU" sz="2000" dirty="0" smtClean="0">
                     <a:latin typeface="Arial" panose="020B0604020202020204" pitchFamily="34" charset="0"/>
@@ -6161,6 +6511,11 @@
                 </a:r>
               </a:p>
               <a:p>
+                <a:pPr>
+                  <a:lnSpc>
+                    <a:spcPct val="110000"/>
+                  </a:lnSpc>
+                </a:pPr>
                 <a:r>
                   <a:rPr lang="ru-RU" sz="2000" dirty="0">
                     <a:latin typeface="Arial" panose="020B0604020202020204" pitchFamily="34" charset="0"/>
@@ -6219,6 +6574,11 @@
                 </a:r>
               </a:p>
               <a:p>
+                <a:pPr>
+                  <a:lnSpc>
+                    <a:spcPct val="110000"/>
+                  </a:lnSpc>
+                </a:pPr>
                 <a14:m>
                   <m:oMath xmlns:m="http://schemas.openxmlformats.org/officeDocument/2006/math">
                     <m:r>
@@ -6318,6 +6678,11 @@
                 </a:endParaRPr>
               </a:p>
               <a:p>
+                <a:pPr>
+                  <a:lnSpc>
+                    <a:spcPct val="110000"/>
+                  </a:lnSpc>
+                </a:pPr>
                 <a:r>
                   <a:rPr lang="ru-RU" sz="2000" dirty="0">
                     <a:latin typeface="Arial" panose="020B0604020202020204" pitchFamily="34" charset="0"/>
@@ -6459,6 +6824,11 @@
                 </a:endParaRPr>
               </a:p>
               <a:p>
+                <a:pPr>
+                  <a:lnSpc>
+                    <a:spcPct val="110000"/>
+                  </a:lnSpc>
+                </a:pPr>
                 <a:r>
                   <a:rPr lang="ru-RU" sz="2000" dirty="0">
                     <a:latin typeface="Arial" panose="020B0604020202020204" pitchFamily="34" charset="0"/>
@@ -6579,6 +6949,11 @@
                 </a:endParaRPr>
               </a:p>
               <a:p>
+                <a:pPr>
+                  <a:lnSpc>
+                    <a:spcPct val="110000"/>
+                  </a:lnSpc>
+                </a:pPr>
                 <a:r>
                   <a:rPr lang="ru-RU" sz="2000" dirty="0">
                     <a:latin typeface="Arial" panose="020B0604020202020204" pitchFamily="34" charset="0"/>
@@ -6701,6 +7076,11 @@
                 </a:endParaRPr>
               </a:p>
               <a:p>
+                <a:pPr>
+                  <a:lnSpc>
+                    <a:spcPct val="110000"/>
+                  </a:lnSpc>
+                </a:pPr>
                 <a:r>
                   <a:rPr lang="ru-RU" sz="2000" dirty="0">
                     <a:latin typeface="Arial" panose="020B0604020202020204" pitchFamily="34" charset="0"/>
@@ -6831,6 +7211,11 @@
                 </a:endParaRPr>
               </a:p>
               <a:p>
+                <a:pPr>
+                  <a:lnSpc>
+                    <a:spcPct val="110000"/>
+                  </a:lnSpc>
+                </a:pPr>
                 <a:r>
                   <a:rPr lang="ru-RU" sz="2000" dirty="0">
                     <a:latin typeface="Arial" panose="020B0604020202020204" pitchFamily="34" charset="0"/>
@@ -6998,6 +7383,11 @@
                 </a:endParaRPr>
               </a:p>
               <a:p>
+                <a:pPr>
+                  <a:lnSpc>
+                    <a:spcPct val="110000"/>
+                  </a:lnSpc>
+                </a:pPr>
                 <a:r>
                   <a:rPr lang="ru-RU" sz="2000" dirty="0">
                     <a:latin typeface="Arial" panose="020B0604020202020204" pitchFamily="34" charset="0"/>
@@ -7130,6 +7520,11 @@
                 </a:endParaRPr>
               </a:p>
               <a:p>
+                <a:pPr>
+                  <a:lnSpc>
+                    <a:spcPct val="110000"/>
+                  </a:lnSpc>
+                </a:pPr>
                 <a:r>
                   <a:rPr lang="ru-RU" sz="2000" dirty="0" smtClean="0">
                     <a:latin typeface="Arial" panose="020B0604020202020204" pitchFamily="34" charset="0"/>
@@ -7289,20 +7684,78 @@
                     </m:r>
                   </m:oMath>
                 </a14:m>
+                <a:endParaRPr lang="en-US" sz="2000" dirty="0" smtClean="0">
+                  <a:latin typeface="Arial" panose="020B0604020202020204" pitchFamily="34" charset="0"/>
+                  <a:cs typeface="Arial" panose="020B0604020202020204" pitchFamily="34" charset="0"/>
+                </a:endParaRPr>
+              </a:p>
+              <a:p>
+                <a:pPr>
+                  <a:lnSpc>
+                    <a:spcPct val="110000"/>
+                  </a:lnSpc>
+                </a:pPr>
+                <a:r>
+                  <a:rPr lang="ru-RU" sz="2000" dirty="0" smtClean="0">
+                    <a:latin typeface="Arial" panose="020B0604020202020204" pitchFamily="34" charset="0"/>
+                    <a:cs typeface="Arial" panose="020B0604020202020204" pitchFamily="34" charset="0"/>
+                  </a:rPr>
+                  <a:t>Модель огибающей </a:t>
+                </a:r>
+                <a:r>
+                  <a:rPr lang="en-US" sz="2000" dirty="0" smtClean="0">
+                    <a:latin typeface="Arial" panose="020B0604020202020204" pitchFamily="34" charset="0"/>
+                    <a:cs typeface="Arial" panose="020B0604020202020204" pitchFamily="34" charset="0"/>
+                  </a:rPr>
+                  <a:t>(envelope) – </a:t>
+                </a:r>
+                <a:r>
+                  <a:rPr lang="ru-RU" sz="2000" dirty="0" smtClean="0">
+                    <a:latin typeface="Arial" panose="020B0604020202020204" pitchFamily="34" charset="0"/>
+                    <a:cs typeface="Arial" panose="020B0604020202020204" pitchFamily="34" charset="0"/>
+                  </a:rPr>
+                  <a:t>медленный циклический процесс</a:t>
+                </a:r>
                 <a:endParaRPr lang="en-US" sz="2000" dirty="0">
                   <a:latin typeface="Arial" panose="020B0604020202020204" pitchFamily="34" charset="0"/>
                   <a:cs typeface="Arial" panose="020B0604020202020204" pitchFamily="34" charset="0"/>
                 </a:endParaRPr>
               </a:p>
               <a:p>
+                <a:pPr>
+                  <a:lnSpc>
+                    <a:spcPct val="110000"/>
+                  </a:lnSpc>
+                </a:pPr>
                 <a:r>
                   <a:rPr lang="ru-RU" sz="2000" dirty="0">
                     <a:latin typeface="Arial" panose="020B0604020202020204" pitchFamily="34" charset="0"/>
                     <a:cs typeface="Arial" panose="020B0604020202020204" pitchFamily="34" charset="0"/>
                   </a:rPr>
-                  <a:t>Многие другие функции, способные оставаться монотонными достаточного долго.</a:t>
+                  <a:t>Многие другие функции, способные оставаться монотонными достаточного долго</a:t>
                 </a:r>
-                <a:endParaRPr lang="en-US" sz="2000" dirty="0">
+                <a:r>
+                  <a:rPr lang="ru-RU" sz="2000" dirty="0" smtClean="0">
+                    <a:latin typeface="Arial" panose="020B0604020202020204" pitchFamily="34" charset="0"/>
+                    <a:cs typeface="Arial" panose="020B0604020202020204" pitchFamily="34" charset="0"/>
+                  </a:rPr>
+                  <a:t>.</a:t>
+                </a:r>
+              </a:p>
+              <a:p>
+                <a:pPr lvl="1">
+                  <a:lnSpc>
+                    <a:spcPct val="110000"/>
+                  </a:lnSpc>
+                </a:pPr>
+                <a:r>
+                  <a:rPr lang="ru-RU" sz="1900" dirty="0" smtClean="0">
+                    <a:latin typeface="Arial" panose="020B0604020202020204" pitchFamily="34" charset="0"/>
+                    <a:cs typeface="Arial" panose="020B0604020202020204" pitchFamily="34" charset="0"/>
+                  </a:rPr>
+                  <a:t>Отметим, что модель сезонной составляющие также не однозначна, но ее мы чаще всего можем представить рядом Фурье в силу регулярной периодичности</a:t>
+                </a:r>
+                <a:endParaRPr lang="en-US" sz="1900" dirty="0">
                   <a:latin typeface="Arial" panose="020B0604020202020204" pitchFamily="34" charset="0"/>
                   <a:cs typeface="Arial" panose="020B0604020202020204" pitchFamily="34" charset="0"/>
                 </a:endParaRPr>
@@ -7310,7 +7763,7 @@
             </p:txBody>
           </p:sp>
         </mc:Choice>
-        <mc:Fallback xmlns="">
+        <mc:Fallback>
           <p:sp>
             <p:nvSpPr>
               <p:cNvPr id="3" name="Объект 2">
@@ -7329,13 +7782,13 @@
             </p:nvSpPr>
             <p:spPr>
               <a:xfrm>
-                <a:off x="361950" y="1152525"/>
-                <a:ext cx="10515600" cy="5340350"/>
+                <a:off x="369570" y="1127760"/>
+                <a:ext cx="10687050" cy="5595769"/>
               </a:xfrm>
               <a:blipFill>
                 <a:blip r:embed="rId2"/>
                 <a:stretch>
-                  <a:fillRect l="-522" t="-1027"/>
+                  <a:fillRect l="-456" t="-1089"/>
                 </a:stretch>
               </a:blipFill>
             </p:spPr>
@@ -7377,8 +7830,49 @@
         </p:blipFill>
         <p:spPr bwMode="auto">
           <a:xfrm>
-            <a:off x="7453539" y="2956560"/>
+            <a:off x="7426645" y="1629653"/>
             <a:ext cx="4335408" cy="1653504"/>
+          </a:xfrm>
+          <a:prstGeom prst="rect">
+            <a:avLst/>
+          </a:prstGeom>
+          <a:noFill/>
+          <a:extLst>
+            <a:ext uri="{909E8E84-426E-40DD-AFC4-6F175D3DCCD1}">
+              <a14:hiddenFill xmlns:a14="http://schemas.microsoft.com/office/drawing/2010/main">
+                <a:solidFill>
+                  <a:srgbClr val="FFFFFF"/>
+                </a:solidFill>
+              </a14:hiddenFill>
+            </a:ext>
+          </a:extLst>
+        </p:spPr>
+      </p:pic>
+      <p:pic>
+        <p:nvPicPr>
+          <p:cNvPr id="1028" name="Picture 4" descr="Moving Average Envelopes: Learn How Clever Traders Use Them - Commodity.com"/>
+          <p:cNvPicPr>
+            <a:picLocks noChangeAspect="1" noChangeArrowheads="1"/>
+          </p:cNvPicPr>
+          <p:nvPr/>
+        </p:nvPicPr>
+        <p:blipFill>
+          <a:blip r:embed="rId4">
+            <a:extLst>
+              <a:ext uri="{28A0092B-C50C-407E-A947-70E740481C1C}">
+                <a14:useLocalDpi xmlns:a14="http://schemas.microsoft.com/office/drawing/2010/main" val="0"/>
+              </a:ext>
+            </a:extLst>
+          </a:blip>
+          <a:srcRect/>
+          <a:stretch>
+            <a:fillRect/>
+          </a:stretch>
+        </p:blipFill>
+        <p:spPr bwMode="auto">
+          <a:xfrm>
+            <a:off x="8713694" y="3325588"/>
+            <a:ext cx="2976281" cy="2003266"/>
           </a:xfrm>
           <a:prstGeom prst="rect">
             <a:avLst/>
@@ -7444,7 +7938,7 @@
         </p:nvSpPr>
         <p:spPr>
           <a:xfrm>
-            <a:off x="1059180" y="208905"/>
+            <a:off x="498157" y="45563"/>
             <a:ext cx="10515600" cy="1325563"/>
           </a:xfrm>
         </p:spPr>
@@ -7473,8 +7967,8 @@
         </p:nvSpPr>
         <p:spPr>
           <a:xfrm>
-            <a:off x="1059180" y="3973410"/>
-            <a:ext cx="10515600" cy="536575"/>
+            <a:off x="6316980" y="1071934"/>
+            <a:ext cx="5105400" cy="536575"/>
           </a:xfrm>
         </p:spPr>
         <p:txBody>
@@ -7497,7 +7991,7 @@
           </p:cNvPicPr>
           <p:nvPr/>
         </p:nvPicPr>
-        <p:blipFill>
+        <p:blipFill rotWithShape="1">
           <a:blip r:embed="rId2">
             <a:extLst>
               <a:ext uri="{28A0092B-C50C-407E-A947-70E740481C1C}">
@@ -7505,15 +7999,13 @@
               </a:ext>
             </a:extLst>
           </a:blip>
-          <a:srcRect/>
-          <a:stretch>
-            <a:fillRect/>
-          </a:stretch>
+          <a:srcRect b="54876"/>
+          <a:stretch/>
         </p:blipFill>
         <p:spPr bwMode="auto">
           <a:xfrm>
-            <a:off x="6263639" y="1825625"/>
-            <a:ext cx="5253355" cy="4392893"/>
+            <a:off x="556895" y="4664656"/>
+            <a:ext cx="5253355" cy="1982237"/>
           </a:xfrm>
           <a:prstGeom prst="rect">
             <a:avLst/>
@@ -7600,7 +8092,7 @@
         </p:blipFill>
         <p:spPr bwMode="auto">
           <a:xfrm>
-            <a:off x="2104135" y="4376635"/>
+            <a:off x="7025757" y="1503800"/>
             <a:ext cx="4212845" cy="2423519"/>
           </a:xfrm>
           <a:prstGeom prst="rect">
@@ -7812,6 +8304,74 @@
           </a:p>
         </p:txBody>
       </p:sp>
+      <p:sp>
+        <p:nvSpPr>
+          <p:cNvPr id="6" name="Прямоугольник 5"/>
+          <p:cNvSpPr/>
+          <p:nvPr/>
+        </p:nvSpPr>
+        <p:spPr>
+          <a:xfrm>
+            <a:off x="6838077" y="4042662"/>
+            <a:ext cx="4736703" cy="646331"/>
+          </a:xfrm>
+          <a:prstGeom prst="rect">
+            <a:avLst/>
+          </a:prstGeom>
+        </p:spPr>
+        <p:txBody>
+          <a:bodyPr wrap="square">
+            <a:spAutoFit/>
+          </a:bodyPr>
+          <a:lstStyle/>
+          <a:p>
+            <a:r>
+              <a:rPr lang="ru-RU" dirty="0" smtClean="0"/>
+              <a:t>Такой тренд при условии непрерывности перегибов можно описать и огибающей</a:t>
+            </a:r>
+            <a:endParaRPr lang="ru-RU" dirty="0"/>
+          </a:p>
+        </p:txBody>
+      </p:sp>
+      <p:pic>
+        <p:nvPicPr>
+          <p:cNvPr id="9" name="Picture 4" descr="Виды и техники построения тренда"/>
+          <p:cNvPicPr>
+            <a:picLocks noChangeAspect="1" noChangeArrowheads="1"/>
+          </p:cNvPicPr>
+          <p:nvPr/>
+        </p:nvPicPr>
+        <p:blipFill rotWithShape="1">
+          <a:blip r:embed="rId2">
+            <a:extLst>
+              <a:ext uri="{28A0092B-C50C-407E-A947-70E740481C1C}">
+                <a14:useLocalDpi xmlns:a14="http://schemas.microsoft.com/office/drawing/2010/main" val="0"/>
+              </a:ext>
+            </a:extLst>
+          </a:blip>
+          <a:srcRect t="46425"/>
+          <a:stretch/>
+        </p:blipFill>
+        <p:spPr bwMode="auto">
+          <a:xfrm>
+            <a:off x="6526530" y="4664656"/>
+            <a:ext cx="4895850" cy="2193344"/>
+          </a:xfrm>
+          <a:prstGeom prst="rect">
+            <a:avLst/>
+          </a:prstGeom>
+          <a:noFill/>
+          <a:extLst>
+            <a:ext uri="{909E8E84-426E-40DD-AFC4-6F175D3DCCD1}">
+              <a14:hiddenFill xmlns:a14="http://schemas.microsoft.com/office/drawing/2010/main">
+                <a:solidFill>
+                  <a:srgbClr val="FFFFFF"/>
+                </a:solidFill>
+              </a14:hiddenFill>
+            </a:ext>
+          </a:extLst>
+        </p:spPr>
+      </p:pic>
     </p:spTree>
     <p:extLst>
       <p:ext uri="{BB962C8B-B14F-4D97-AF65-F5344CB8AC3E}">
@@ -7867,7 +8427,7 @@
         </p:nvSpPr>
         <p:spPr>
           <a:xfrm>
-            <a:off x="838200" y="365125"/>
+            <a:off x="647700" y="241300"/>
             <a:ext cx="10515600" cy="911225"/>
           </a:xfrm>
         </p:spPr>
@@ -7891,8 +8451,8 @@
           </a:p>
         </p:txBody>
       </p:sp>
-      <mc:AlternateContent xmlns:mc="http://schemas.openxmlformats.org/markup-compatibility/2006" xmlns:a14="http://schemas.microsoft.com/office/drawing/2010/main">
-        <mc:Choice Requires="a14">
+      <mc:AlternateContent xmlns:mc="http://schemas.openxmlformats.org/markup-compatibility/2006">
+        <mc:Choice xmlns:a14="http://schemas.microsoft.com/office/drawing/2010/main" Requires="a14">
           <p:sp>
             <p:nvSpPr>
               <p:cNvPr id="3" name="Объект 2">
@@ -7911,7 +8471,7 @@
             </p:nvSpPr>
             <p:spPr>
               <a:xfrm>
-                <a:off x="361950" y="1152525"/>
+                <a:off x="361950" y="1143000"/>
                 <a:ext cx="11087100" cy="5340350"/>
               </a:xfrm>
             </p:spPr>
@@ -8401,7 +8961,7 @@
             </p:txBody>
           </p:sp>
         </mc:Choice>
-        <mc:Fallback xmlns="">
+        <mc:Fallback>
           <p:sp>
             <p:nvSpPr>
               <p:cNvPr id="3" name="Объект 2">
@@ -8420,13 +8980,13 @@
             </p:nvSpPr>
             <p:spPr>
               <a:xfrm>
-                <a:off x="361950" y="1152525"/>
+                <a:off x="361950" y="1143000"/>
                 <a:ext cx="11087100" cy="5340350"/>
               </a:xfrm>
               <a:blipFill>
                 <a:blip r:embed="rId2"/>
                 <a:stretch>
-                  <a:fillRect l="-495" t="-1027"/>
+                  <a:fillRect l="-495" t="-1142"/>
                 </a:stretch>
               </a:blipFill>
             </p:spPr>
@@ -8435,7 +8995,7 @@
               <a:lstStyle/>
               <a:p>
                 <a:r>
-                  <a:rPr lang="en-US">
+                  <a:rPr lang="ru-RU">
                     <a:noFill/>
                   </a:rPr>
                   <a:t> </a:t>
@@ -8474,7 +9034,7 @@
         </p:blipFill>
         <p:spPr bwMode="auto">
           <a:xfrm>
-            <a:off x="7098505" y="3314700"/>
+            <a:off x="7174707" y="3405012"/>
             <a:ext cx="4179093" cy="3341987"/>
           </a:xfrm>
           <a:prstGeom prst="rect">
@@ -9030,8 +9590,8 @@
         </p:blipFill>
         <p:spPr bwMode="auto">
           <a:xfrm>
-            <a:off x="2358554" y="1825625"/>
-            <a:ext cx="7718895" cy="4351338"/>
+            <a:off x="1877004" y="1825625"/>
+            <a:ext cx="8602737" cy="4849582"/>
           </a:xfrm>
           <a:prstGeom prst="rect">
             <a:avLst/>
@@ -9621,406 +10181,6 @@
 </p:sld>
 </file>
 
-<file path=ppt/slides/slide18.xml><?xml version="1.0" encoding="utf-8"?>
-<p:sld xmlns:a="http://schemas.openxmlformats.org/drawingml/2006/main" xmlns:r="http://schemas.openxmlformats.org/officeDocument/2006/relationships" xmlns:p="http://schemas.openxmlformats.org/presentationml/2006/main">
-  <p:cSld>
-    <p:spTree>
-      <p:nvGrpSpPr>
-        <p:cNvPr id="1" name=""/>
-        <p:cNvGrpSpPr/>
-        <p:nvPr/>
-      </p:nvGrpSpPr>
-      <p:grpSpPr>
-        <a:xfrm>
-          <a:off x="0" y="0"/>
-          <a:ext cx="0" cy="0"/>
-          <a:chOff x="0" y="0"/>
-          <a:chExt cx="0" cy="0"/>
-        </a:xfrm>
-      </p:grpSpPr>
-      <p:sp>
-        <p:nvSpPr>
-          <p:cNvPr id="2" name="Заголовок 1">
-            <a:extLst>
-              <a:ext uri="{FF2B5EF4-FFF2-40B4-BE49-F238E27FC236}">
-                <a16:creationId xmlns:a16="http://schemas.microsoft.com/office/drawing/2014/main" id="{E5E18C16-493F-C0F6-1226-B953C44BB2B9}"/>
-              </a:ext>
-            </a:extLst>
-          </p:cNvPr>
-          <p:cNvSpPr>
-            <a:spLocks noGrp="1"/>
-          </p:cNvSpPr>
-          <p:nvPr>
-            <p:ph type="title"/>
-          </p:nvPr>
-        </p:nvSpPr>
-        <p:spPr/>
-        <p:txBody>
-          <a:bodyPr>
-            <a:normAutofit/>
-          </a:bodyPr>
-          <a:lstStyle/>
-          <a:p>
-            <a:r>
-              <a:rPr lang="ru-RU" sz="4800" b="1" dirty="0"/>
-              <a:t>Задание</a:t>
-            </a:r>
-          </a:p>
-        </p:txBody>
-      </p:sp>
-      <p:sp>
-        <p:nvSpPr>
-          <p:cNvPr id="3" name="Объект 2">
-            <a:extLst>
-              <a:ext uri="{FF2B5EF4-FFF2-40B4-BE49-F238E27FC236}">
-                <a16:creationId xmlns:a16="http://schemas.microsoft.com/office/drawing/2014/main" id="{BE421393-E6D9-4C04-F323-217F01E33B93}"/>
-              </a:ext>
-            </a:extLst>
-          </p:cNvPr>
-          <p:cNvSpPr>
-            <a:spLocks noGrp="1"/>
-          </p:cNvSpPr>
-          <p:nvPr>
-            <p:ph idx="1"/>
-          </p:nvPr>
-        </p:nvSpPr>
-        <p:spPr>
-          <a:xfrm>
-            <a:off x="838200" y="1424933"/>
-            <a:ext cx="10515600" cy="4351338"/>
-          </a:xfrm>
-        </p:spPr>
-        <p:txBody>
-          <a:bodyPr/>
-          <a:lstStyle/>
-          <a:p>
-            <a:r>
-              <a:rPr lang="ru-RU" sz="4400" dirty="0">
-                <a:solidFill>
-                  <a:srgbClr val="000000"/>
-                </a:solidFill>
-                <a:latin typeface="Calibri" panose="020F0502020204030204" pitchFamily="34" charset="0"/>
-              </a:rPr>
-              <a:t>Описать качественно временной ряд</a:t>
-            </a:r>
-            <a:endParaRPr lang="ru-RU" sz="6600" dirty="0"/>
-          </a:p>
-          <a:p>
-            <a:endParaRPr lang="ru-RU" dirty="0"/>
-          </a:p>
-        </p:txBody>
-      </p:sp>
-    </p:spTree>
-    <p:extLst>
-      <p:ext uri="{BB962C8B-B14F-4D97-AF65-F5344CB8AC3E}">
-        <p14:creationId xmlns:p14="http://schemas.microsoft.com/office/powerpoint/2010/main" val="1796853147"/>
-      </p:ext>
-    </p:extLst>
-  </p:cSld>
-  <p:clrMapOvr>
-    <a:masterClrMapping/>
-  </p:clrMapOvr>
-  <p:timing>
-    <p:tnLst>
-      <p:par>
-        <p:cTn id="1" dur="indefinite" restart="never" nodeType="tmRoot"/>
-      </p:par>
-    </p:tnLst>
-  </p:timing>
-</p:sld>
-</file>
-
-<file path=ppt/slides/slide19.xml><?xml version="1.0" encoding="utf-8"?>
-<p:sld xmlns:a="http://schemas.openxmlformats.org/drawingml/2006/main" xmlns:r="http://schemas.openxmlformats.org/officeDocument/2006/relationships" xmlns:p="http://schemas.openxmlformats.org/presentationml/2006/main">
-  <p:cSld>
-    <p:spTree>
-      <p:nvGrpSpPr>
-        <p:cNvPr id="1" name=""/>
-        <p:cNvGrpSpPr/>
-        <p:nvPr/>
-      </p:nvGrpSpPr>
-      <p:grpSpPr>
-        <a:xfrm>
-          <a:off x="0" y="0"/>
-          <a:ext cx="0" cy="0"/>
-          <a:chOff x="0" y="0"/>
-          <a:chExt cx="0" cy="0"/>
-        </a:xfrm>
-      </p:grpSpPr>
-      <p:sp>
-        <p:nvSpPr>
-          <p:cNvPr id="2" name="Заголовок 1">
-            <a:extLst>
-              <a:ext uri="{FF2B5EF4-FFF2-40B4-BE49-F238E27FC236}">
-                <a16:creationId xmlns:a16="http://schemas.microsoft.com/office/drawing/2014/main" id="{E5E18C16-493F-C0F6-1226-B953C44BB2B9}"/>
-              </a:ext>
-            </a:extLst>
-          </p:cNvPr>
-          <p:cNvSpPr>
-            <a:spLocks noGrp="1"/>
-          </p:cNvSpPr>
-          <p:nvPr>
-            <p:ph type="title"/>
-          </p:nvPr>
-        </p:nvSpPr>
-        <p:spPr/>
-        <p:txBody>
-          <a:bodyPr>
-            <a:normAutofit/>
-          </a:bodyPr>
-          <a:lstStyle/>
-          <a:p>
-            <a:r>
-              <a:rPr lang="ru-RU" sz="4800" b="1" dirty="0"/>
-              <a:t>Задание</a:t>
-            </a:r>
-          </a:p>
-        </p:txBody>
-      </p:sp>
-      <p:sp>
-        <p:nvSpPr>
-          <p:cNvPr id="3" name="Объект 2">
-            <a:extLst>
-              <a:ext uri="{FF2B5EF4-FFF2-40B4-BE49-F238E27FC236}">
-                <a16:creationId xmlns:a16="http://schemas.microsoft.com/office/drawing/2014/main" id="{BE421393-E6D9-4C04-F323-217F01E33B93}"/>
-              </a:ext>
-            </a:extLst>
-          </p:cNvPr>
-          <p:cNvSpPr>
-            <a:spLocks noGrp="1"/>
-          </p:cNvSpPr>
-          <p:nvPr>
-            <p:ph idx="1"/>
-          </p:nvPr>
-        </p:nvSpPr>
-        <p:spPr>
-          <a:xfrm>
-            <a:off x="838200" y="1424933"/>
-            <a:ext cx="10515600" cy="4351338"/>
-          </a:xfrm>
-        </p:spPr>
-        <p:txBody>
-          <a:bodyPr/>
-          <a:lstStyle/>
-          <a:p>
-            <a:r>
-              <a:rPr lang="ru-RU" sz="4400" dirty="0">
-                <a:solidFill>
-                  <a:srgbClr val="000000"/>
-                </a:solidFill>
-                <a:latin typeface="Calibri" panose="020F0502020204030204" pitchFamily="34" charset="0"/>
-              </a:rPr>
-              <a:t>Описать качественно временной ряд</a:t>
-            </a:r>
-            <a:endParaRPr lang="ru-RU" sz="6600" dirty="0"/>
-          </a:p>
-          <a:p>
-            <a:endParaRPr lang="ru-RU" dirty="0"/>
-          </a:p>
-        </p:txBody>
-      </p:sp>
-      <p:pic>
-        <p:nvPicPr>
-          <p:cNvPr id="10244" name="Picture 4" descr="Additive decomposition of time series PL. | Download Scientific Diagram">
-            <a:extLst>
-              <a:ext uri="{FF2B5EF4-FFF2-40B4-BE49-F238E27FC236}">
-                <a16:creationId xmlns:a16="http://schemas.microsoft.com/office/drawing/2014/main" id="{CB59E430-5E84-F01E-9605-6AED6DFB8984}"/>
-              </a:ext>
-            </a:extLst>
-          </p:cNvPr>
-          <p:cNvPicPr>
-            <a:picLocks noChangeAspect="1" noChangeArrowheads="1"/>
-          </p:cNvPicPr>
-          <p:nvPr/>
-        </p:nvPicPr>
-        <p:blipFill rotWithShape="1">
-          <a:blip r:embed="rId2">
-            <a:extLst>
-              <a:ext uri="{28A0092B-C50C-407E-A947-70E740481C1C}">
-                <a14:useLocalDpi xmlns:a14="http://schemas.microsoft.com/office/drawing/2010/main" val="0"/>
-              </a:ext>
-            </a:extLst>
-          </a:blip>
-          <a:srcRect t="12017" b="65761"/>
-          <a:stretch/>
-        </p:blipFill>
-        <p:spPr bwMode="auto">
-          <a:xfrm>
-            <a:off x="317325" y="4032545"/>
-            <a:ext cx="7162211" cy="1267648"/>
-          </a:xfrm>
-          <a:prstGeom prst="rect">
-            <a:avLst/>
-          </a:prstGeom>
-          <a:noFill/>
-          <a:extLst>
-            <a:ext uri="{909E8E84-426E-40DD-AFC4-6F175D3DCCD1}">
-              <a14:hiddenFill xmlns:a14="http://schemas.microsoft.com/office/drawing/2010/main">
-                <a:solidFill>
-                  <a:srgbClr val="FFFFFF"/>
-                </a:solidFill>
-              </a14:hiddenFill>
-            </a:ext>
-          </a:extLst>
-        </p:spPr>
-      </p:pic>
-      <p:pic>
-        <p:nvPicPr>
-          <p:cNvPr id="10246" name="Picture 6">
-            <a:extLst>
-              <a:ext uri="{FF2B5EF4-FFF2-40B4-BE49-F238E27FC236}">
-                <a16:creationId xmlns:a16="http://schemas.microsoft.com/office/drawing/2014/main" id="{E49C68D5-55B3-1A80-2720-6ABBFE732794}"/>
-              </a:ext>
-            </a:extLst>
-          </p:cNvPr>
-          <p:cNvPicPr>
-            <a:picLocks noChangeAspect="1" noChangeArrowheads="1"/>
-          </p:cNvPicPr>
-          <p:nvPr/>
-        </p:nvPicPr>
-        <p:blipFill rotWithShape="1">
-          <a:blip r:embed="rId3">
-            <a:extLst>
-              <a:ext uri="{28A0092B-C50C-407E-A947-70E740481C1C}">
-                <a14:useLocalDpi xmlns:a14="http://schemas.microsoft.com/office/drawing/2010/main" val="0"/>
-              </a:ext>
-            </a:extLst>
-          </a:blip>
-          <a:srcRect b="72772"/>
-          <a:stretch/>
-        </p:blipFill>
-        <p:spPr bwMode="auto">
-          <a:xfrm>
-            <a:off x="5208411" y="2467089"/>
-            <a:ext cx="6983589" cy="1267648"/>
-          </a:xfrm>
-          <a:prstGeom prst="rect">
-            <a:avLst/>
-          </a:prstGeom>
-          <a:noFill/>
-          <a:extLst>
-            <a:ext uri="{909E8E84-426E-40DD-AFC4-6F175D3DCCD1}">
-              <a14:hiddenFill xmlns:a14="http://schemas.microsoft.com/office/drawing/2010/main">
-                <a:solidFill>
-                  <a:srgbClr val="FFFFFF"/>
-                </a:solidFill>
-              </a14:hiddenFill>
-            </a:ext>
-          </a:extLst>
-        </p:spPr>
-      </p:pic>
-      <p:pic>
-        <p:nvPicPr>
-          <p:cNvPr id="10242" name="Picture 2" descr="Using decomposition to improve time series prediction | Quantdare">
-            <a:extLst>
-              <a:ext uri="{FF2B5EF4-FFF2-40B4-BE49-F238E27FC236}">
-                <a16:creationId xmlns:a16="http://schemas.microsoft.com/office/drawing/2014/main" id="{69F35CB4-793B-4C58-8DEC-98B4DE2D7564}"/>
-              </a:ext>
-            </a:extLst>
-          </p:cNvPr>
-          <p:cNvPicPr>
-            <a:picLocks noChangeAspect="1" noChangeArrowheads="1"/>
-          </p:cNvPicPr>
-          <p:nvPr/>
-        </p:nvPicPr>
-        <p:blipFill rotWithShape="1">
-          <a:blip r:embed="rId4" cstate="hqprint">
-            <a:extLst>
-              <a:ext uri="{28A0092B-C50C-407E-A947-70E740481C1C}">
-                <a14:useLocalDpi xmlns:a14="http://schemas.microsoft.com/office/drawing/2010/main" val="0"/>
-              </a:ext>
-            </a:extLst>
-          </a:blip>
-          <a:srcRect b="73827"/>
-          <a:stretch/>
-        </p:blipFill>
-        <p:spPr bwMode="auto">
-          <a:xfrm>
-            <a:off x="181858" y="2203446"/>
-            <a:ext cx="5519032" cy="1794933"/>
-          </a:xfrm>
-          <a:prstGeom prst="rect">
-            <a:avLst/>
-          </a:prstGeom>
-          <a:noFill/>
-          <a:extLst>
-            <a:ext uri="{909E8E84-426E-40DD-AFC4-6F175D3DCCD1}">
-              <a14:hiddenFill xmlns:a14="http://schemas.microsoft.com/office/drawing/2010/main">
-                <a:solidFill>
-                  <a:srgbClr val="FFFFFF"/>
-                </a:solidFill>
-              </a14:hiddenFill>
-            </a:ext>
-          </a:extLst>
-        </p:spPr>
-      </p:pic>
-      <p:pic>
-        <p:nvPicPr>
-          <p:cNvPr id="10248" name="Picture 8">
-            <a:extLst>
-              <a:ext uri="{FF2B5EF4-FFF2-40B4-BE49-F238E27FC236}">
-                <a16:creationId xmlns:a16="http://schemas.microsoft.com/office/drawing/2014/main" id="{D4BD7FBD-1F1E-7B29-DBE1-2090A52742A9}"/>
-              </a:ext>
-            </a:extLst>
-          </p:cNvPr>
-          <p:cNvPicPr>
-            <a:picLocks noChangeAspect="1" noChangeArrowheads="1"/>
-          </p:cNvPicPr>
-          <p:nvPr/>
-        </p:nvPicPr>
-        <p:blipFill>
-          <a:blip r:embed="rId5">
-            <a:extLst>
-              <a:ext uri="{28A0092B-C50C-407E-A947-70E740481C1C}">
-                <a14:useLocalDpi xmlns:a14="http://schemas.microsoft.com/office/drawing/2010/main" val="0"/>
-              </a:ext>
-            </a:extLst>
-          </a:blip>
-          <a:srcRect/>
-          <a:stretch>
-            <a:fillRect/>
-          </a:stretch>
-        </p:blipFill>
-        <p:spPr bwMode="auto">
-          <a:xfrm>
-            <a:off x="7088011" y="3885961"/>
-            <a:ext cx="3953934" cy="2635956"/>
-          </a:xfrm>
-          <a:prstGeom prst="rect">
-            <a:avLst/>
-          </a:prstGeom>
-          <a:noFill/>
-          <a:extLst>
-            <a:ext uri="{909E8E84-426E-40DD-AFC4-6F175D3DCCD1}">
-              <a14:hiddenFill xmlns:a14="http://schemas.microsoft.com/office/drawing/2010/main">
-                <a:solidFill>
-                  <a:srgbClr val="FFFFFF"/>
-                </a:solidFill>
-              </a14:hiddenFill>
-            </a:ext>
-          </a:extLst>
-        </p:spPr>
-      </p:pic>
-    </p:spTree>
-    <p:extLst>
-      <p:ext uri="{BB962C8B-B14F-4D97-AF65-F5344CB8AC3E}">
-        <p14:creationId xmlns:p14="http://schemas.microsoft.com/office/powerpoint/2010/main" val="511659315"/>
-      </p:ext>
-    </p:extLst>
-  </p:cSld>
-  <p:clrMapOvr>
-    <a:masterClrMapping/>
-  </p:clrMapOvr>
-  <p:timing>
-    <p:tnLst>
-      <p:par>
-        <p:cTn id="1" dur="indefinite" restart="never" nodeType="tmRoot"/>
-      </p:par>
-    </p:tnLst>
-  </p:timing>
-</p:sld>
-</file>
-
 <file path=ppt/slides/slide2.xml><?xml version="1.0" encoding="utf-8"?>
 <p:sld xmlns:a="http://schemas.openxmlformats.org/drawingml/2006/main" xmlns:r="http://schemas.openxmlformats.org/officeDocument/2006/relationships" xmlns:p="http://schemas.openxmlformats.org/presentationml/2006/main">
   <p:cSld>
@@ -10075,8 +10235,8 @@
           </a:p>
         </p:txBody>
       </p:sp>
-      <mc:AlternateContent xmlns:mc="http://schemas.openxmlformats.org/markup-compatibility/2006" xmlns:a14="http://schemas.microsoft.com/office/drawing/2010/main">
-        <mc:Choice Requires="a14">
+      <mc:AlternateContent xmlns:mc="http://schemas.openxmlformats.org/markup-compatibility/2006">
+        <mc:Choice xmlns:a14="http://schemas.microsoft.com/office/drawing/2010/main" Requires="a14">
           <p:sp>
             <p:nvSpPr>
               <p:cNvPr id="3" name="Объект 2">
@@ -10095,8 +10255,8 @@
             </p:nvSpPr>
             <p:spPr>
               <a:xfrm>
-                <a:off x="467994" y="1417834"/>
-                <a:ext cx="10885806" cy="5242380"/>
+                <a:off x="467994" y="1219200"/>
+                <a:ext cx="10885806" cy="5441014"/>
               </a:xfrm>
             </p:spPr>
             <p:txBody>
@@ -10157,57 +10317,79 @@
                 </a14:m>
                 <a:r>
                   <a:rPr lang="ru-RU" sz="2400" dirty="0"/>
-                  <a:t>. В модели временных рядов часто выделяют следующие части:</a:t>
+                  <a:t>. В модели временных рядов часто выделяют следующие части</a:t>
+                </a:r>
+                <a:r>
+                  <a:rPr lang="ru-RU" sz="2400" dirty="0" smtClean="0"/>
+                  <a:t>:</a:t>
                 </a:r>
               </a:p>
               <a:p>
-                <a:pPr lvl="0"/>
                 <a:r>
-                  <a:rPr lang="ru-RU" sz="2400" b="1" dirty="0"/>
+                  <a:rPr lang="ru-RU" sz="2400" b="1" dirty="0" smtClean="0"/>
+                  <a:t>Детерминированная часть:</a:t>
+                </a:r>
+                <a:endParaRPr lang="ru-RU" sz="2400" b="1" dirty="0"/>
+              </a:p>
+              <a:p>
+                <a:pPr lvl="1"/>
+                <a:r>
+                  <a:rPr lang="ru-RU" sz="2000" b="1" dirty="0"/>
                   <a:t>тренд</a:t>
                 </a:r>
                 <a:r>
-                  <a:rPr lang="ru-RU" sz="2400" dirty="0"/>
+                  <a:rPr lang="ru-RU" sz="2000" dirty="0"/>
                   <a:t> - медленно меняющаяся часть зависимости временного ряда.</a:t>
                 </a:r>
               </a:p>
               <a:p>
-                <a:pPr lvl="0"/>
+                <a:pPr lvl="1"/>
                 <a:r>
-                  <a:rPr lang="ru-RU" sz="2400" b="1" dirty="0"/>
+                  <a:rPr lang="ru-RU" sz="2000" b="1" dirty="0"/>
                   <a:t>сезонность</a:t>
                 </a:r>
                 <a:r>
-                  <a:rPr lang="ru-RU" sz="2400" dirty="0"/>
+                  <a:rPr lang="ru-RU" sz="2000" dirty="0"/>
                   <a:t> - некоторые «относительно быстро меняющиеся» периодические составляющие, как правило тут речь идет о регулярном периоде.</a:t>
                 </a:r>
               </a:p>
               <a:p>
-                <a:pPr lvl="0"/>
+                <a:pPr lvl="1"/>
                 <a:r>
-                  <a:rPr lang="ru-RU" sz="2400" b="1" dirty="0"/>
+                  <a:rPr lang="ru-RU" sz="2000" b="1" dirty="0"/>
                   <a:t>цикличность</a:t>
                 </a:r>
                 <a:r>
-                  <a:rPr lang="ru-RU" sz="2400" dirty="0"/>
+                  <a:rPr lang="ru-RU" sz="2000" dirty="0"/>
                   <a:t> - это некоторые периодические компоненты с "относительно медленным изменением" с нерегулярным периодом и относительно высокой интенсивностью.</a:t>
                 </a:r>
               </a:p>
               <a:p>
                 <a:pPr lvl="0"/>
                 <a:r>
-                  <a:rPr lang="ru-RU" sz="2400" b="1" dirty="0"/>
+                  <a:rPr lang="ru-RU" sz="2400" b="1" dirty="0" smtClean="0"/>
+                  <a:t>Стохастическая часть. В идеале необъяснимая часть – не содержащая информации, которую мы можем объяснить моделью ВР</a:t>
+                </a:r>
+              </a:p>
+              <a:p>
+                <a:pPr lvl="1"/>
+                <a:r>
+                  <a:rPr lang="ru-RU" sz="2000" b="1" dirty="0" smtClean="0"/>
                   <a:t>шум</a:t>
                 </a:r>
                 <a:r>
-                  <a:rPr lang="ru-RU" sz="2400" dirty="0"/>
-                  <a:t> - это некоторое случайное (стохастическое) искажение выходных значений - нерегулярные или случайные колебания (вариации).</a:t>
+                  <a:rPr lang="ru-RU" sz="2000" dirty="0" smtClean="0"/>
+                  <a:t> </a:t>
+                </a:r>
+                <a:r>
+                  <a:rPr lang="ru-RU" sz="2000" dirty="0"/>
+                  <a:t>- это некоторое случайное (стохастическое) искажение выходных значений - нерегулярные или случайные колебания (вариации).</a:t>
                 </a:r>
               </a:p>
             </p:txBody>
           </p:sp>
         </mc:Choice>
-        <mc:Fallback xmlns="">
+        <mc:Fallback>
           <p:sp>
             <p:nvSpPr>
               <p:cNvPr id="3" name="Объект 2">
@@ -10226,13 +10408,13 @@
             </p:nvSpPr>
             <p:spPr>
               <a:xfrm>
-                <a:off x="467994" y="1417834"/>
-                <a:ext cx="10885806" cy="5242380"/>
+                <a:off x="467994" y="1219200"/>
+                <a:ext cx="10885806" cy="5441014"/>
               </a:xfrm>
               <a:blipFill>
                 <a:blip r:embed="rId2"/>
                 <a:stretch>
-                  <a:fillRect l="-698" t="-1449" r="-1048"/>
+                  <a:fillRect l="-784" t="-1568"/>
                 </a:stretch>
               </a:blipFill>
             </p:spPr>
@@ -10516,2300 +10698,6 @@
     <p:extLst>
       <p:ext uri="{BB962C8B-B14F-4D97-AF65-F5344CB8AC3E}">
         <p14:creationId xmlns:p14="http://schemas.microsoft.com/office/powerpoint/2010/main" val="3721187735"/>
-      </p:ext>
-    </p:extLst>
-  </p:cSld>
-  <p:clrMapOvr>
-    <a:masterClrMapping/>
-  </p:clrMapOvr>
-  <p:timing>
-    <p:tnLst>
-      <p:par>
-        <p:cTn id="1" dur="indefinite" restart="never" nodeType="tmRoot"/>
-      </p:par>
-    </p:tnLst>
-  </p:timing>
-</p:sld>
-</file>
-
-<file path=ppt/slides/slide20.xml><?xml version="1.0" encoding="utf-8"?>
-<p:sld xmlns:a="http://schemas.openxmlformats.org/drawingml/2006/main" xmlns:r="http://schemas.openxmlformats.org/officeDocument/2006/relationships" xmlns:p="http://schemas.openxmlformats.org/presentationml/2006/main">
-  <p:cSld>
-    <p:spTree>
-      <p:nvGrpSpPr>
-        <p:cNvPr id="1" name=""/>
-        <p:cNvGrpSpPr/>
-        <p:nvPr/>
-      </p:nvGrpSpPr>
-      <p:grpSpPr>
-        <a:xfrm>
-          <a:off x="0" y="0"/>
-          <a:ext cx="0" cy="0"/>
-          <a:chOff x="0" y="0"/>
-          <a:chExt cx="0" cy="0"/>
-        </a:xfrm>
-      </p:grpSpPr>
-      <p:sp>
-        <p:nvSpPr>
-          <p:cNvPr id="2" name="Заголовок 1">
-            <a:extLst>
-              <a:ext uri="{FF2B5EF4-FFF2-40B4-BE49-F238E27FC236}">
-                <a16:creationId xmlns:a16="http://schemas.microsoft.com/office/drawing/2014/main" id="{E5E18C16-493F-C0F6-1226-B953C44BB2B9}"/>
-              </a:ext>
-            </a:extLst>
-          </p:cNvPr>
-          <p:cNvSpPr>
-            <a:spLocks noGrp="1"/>
-          </p:cNvSpPr>
-          <p:nvPr>
-            <p:ph type="title"/>
-          </p:nvPr>
-        </p:nvSpPr>
-        <p:spPr/>
-        <p:txBody>
-          <a:bodyPr>
-            <a:normAutofit/>
-          </a:bodyPr>
-          <a:lstStyle/>
-          <a:p>
-            <a:r>
-              <a:rPr lang="ru-RU" sz="4800" b="1" dirty="0"/>
-              <a:t>Задание</a:t>
-            </a:r>
-          </a:p>
-        </p:txBody>
-      </p:sp>
-      <p:sp>
-        <p:nvSpPr>
-          <p:cNvPr id="3" name="Объект 2">
-            <a:extLst>
-              <a:ext uri="{FF2B5EF4-FFF2-40B4-BE49-F238E27FC236}">
-                <a16:creationId xmlns:a16="http://schemas.microsoft.com/office/drawing/2014/main" id="{BE421393-E6D9-4C04-F323-217F01E33B93}"/>
-              </a:ext>
-            </a:extLst>
-          </p:cNvPr>
-          <p:cNvSpPr>
-            <a:spLocks noGrp="1"/>
-          </p:cNvSpPr>
-          <p:nvPr>
-            <p:ph idx="1"/>
-          </p:nvPr>
-        </p:nvSpPr>
-        <p:spPr>
-          <a:xfrm>
-            <a:off x="838200" y="1424933"/>
-            <a:ext cx="10515600" cy="4351338"/>
-          </a:xfrm>
-        </p:spPr>
-        <p:txBody>
-          <a:bodyPr/>
-          <a:lstStyle/>
-          <a:p>
-            <a:r>
-              <a:rPr lang="ru-RU" sz="4400" dirty="0">
-                <a:solidFill>
-                  <a:srgbClr val="000000"/>
-                </a:solidFill>
-                <a:latin typeface="Calibri" panose="020F0502020204030204" pitchFamily="34" charset="0"/>
-              </a:rPr>
-              <a:t>Описать качественно временной ряд</a:t>
-            </a:r>
-            <a:endParaRPr lang="ru-RU" sz="6600" dirty="0"/>
-          </a:p>
-          <a:p>
-            <a:endParaRPr lang="ru-RU" dirty="0"/>
-          </a:p>
-        </p:txBody>
-      </p:sp>
-      <p:pic>
-        <p:nvPicPr>
-          <p:cNvPr id="8198" name="Picture 6" descr="Model identification from EEG-fMRI data. a) EEG time-series (dotted... |  Download Scientific Diagram">
-            <a:extLst>
-              <a:ext uri="{FF2B5EF4-FFF2-40B4-BE49-F238E27FC236}">
-                <a16:creationId xmlns:a16="http://schemas.microsoft.com/office/drawing/2014/main" id="{EE18F4B1-0A4A-DC5A-D1DD-6E689B92A0A6}"/>
-              </a:ext>
-            </a:extLst>
-          </p:cNvPr>
-          <p:cNvPicPr>
-            <a:picLocks noChangeAspect="1" noChangeArrowheads="1"/>
-          </p:cNvPicPr>
-          <p:nvPr/>
-        </p:nvPicPr>
-        <p:blipFill rotWithShape="1">
-          <a:blip r:embed="rId2">
-            <a:extLst>
-              <a:ext uri="{28A0092B-C50C-407E-A947-70E740481C1C}">
-                <a14:useLocalDpi xmlns:a14="http://schemas.microsoft.com/office/drawing/2010/main" val="0"/>
-              </a:ext>
-            </a:extLst>
-          </a:blip>
-          <a:srcRect t="40106"/>
-          <a:stretch/>
-        </p:blipFill>
-        <p:spPr bwMode="auto">
-          <a:xfrm>
-            <a:off x="401108" y="2186052"/>
-            <a:ext cx="5017559" cy="4107504"/>
-          </a:xfrm>
-          <a:prstGeom prst="rect">
-            <a:avLst/>
-          </a:prstGeom>
-          <a:noFill/>
-          <a:extLst>
-            <a:ext uri="{909E8E84-426E-40DD-AFC4-6F175D3DCCD1}">
-              <a14:hiddenFill xmlns:a14="http://schemas.microsoft.com/office/drawing/2010/main">
-                <a:solidFill>
-                  <a:srgbClr val="FFFFFF"/>
-                </a:solidFill>
-              </a14:hiddenFill>
-            </a:ext>
-          </a:extLst>
-        </p:spPr>
-      </p:pic>
-      <p:pic>
-        <p:nvPicPr>
-          <p:cNvPr id="8200" name="Picture 8" descr="Electrocardiogram time series forecasting and optimization using ant colony  optimization algorithm | Extrica - Publisher of International Research  Journals">
-            <a:extLst>
-              <a:ext uri="{FF2B5EF4-FFF2-40B4-BE49-F238E27FC236}">
-                <a16:creationId xmlns:a16="http://schemas.microsoft.com/office/drawing/2014/main" id="{9BEBDC84-28FC-C3C9-63A7-B077BF464C3A}"/>
-              </a:ext>
-            </a:extLst>
-          </p:cNvPr>
-          <p:cNvPicPr>
-            <a:picLocks noChangeAspect="1" noChangeArrowheads="1"/>
-          </p:cNvPicPr>
-          <p:nvPr/>
-        </p:nvPicPr>
-        <p:blipFill>
-          <a:blip r:embed="rId3">
-            <a:extLst>
-              <a:ext uri="{28A0092B-C50C-407E-A947-70E740481C1C}">
-                <a14:useLocalDpi xmlns:a14="http://schemas.microsoft.com/office/drawing/2010/main" val="0"/>
-              </a:ext>
-            </a:extLst>
-          </a:blip>
-          <a:srcRect/>
-          <a:stretch>
-            <a:fillRect/>
-          </a:stretch>
-        </p:blipFill>
-        <p:spPr bwMode="auto">
-          <a:xfrm>
-            <a:off x="5727171" y="2469212"/>
-            <a:ext cx="4913557" cy="3541183"/>
-          </a:xfrm>
-          <a:prstGeom prst="rect">
-            <a:avLst/>
-          </a:prstGeom>
-          <a:noFill/>
-          <a:extLst>
-            <a:ext uri="{909E8E84-426E-40DD-AFC4-6F175D3DCCD1}">
-              <a14:hiddenFill xmlns:a14="http://schemas.microsoft.com/office/drawing/2010/main">
-                <a:solidFill>
-                  <a:srgbClr val="FFFFFF"/>
-                </a:solidFill>
-              </a14:hiddenFill>
-            </a:ext>
-          </a:extLst>
-        </p:spPr>
-      </p:pic>
-    </p:spTree>
-    <p:extLst>
-      <p:ext uri="{BB962C8B-B14F-4D97-AF65-F5344CB8AC3E}">
-        <p14:creationId xmlns:p14="http://schemas.microsoft.com/office/powerpoint/2010/main" val="3560129172"/>
-      </p:ext>
-    </p:extLst>
-  </p:cSld>
-  <p:clrMapOvr>
-    <a:masterClrMapping/>
-  </p:clrMapOvr>
-  <p:timing>
-    <p:tnLst>
-      <p:par>
-        <p:cTn id="1" dur="indefinite" restart="never" nodeType="tmRoot"/>
-      </p:par>
-    </p:tnLst>
-  </p:timing>
-</p:sld>
-</file>
-
-<file path=ppt/slides/slide21.xml><?xml version="1.0" encoding="utf-8"?>
-<p:sld xmlns:a="http://schemas.openxmlformats.org/drawingml/2006/main" xmlns:r="http://schemas.openxmlformats.org/officeDocument/2006/relationships" xmlns:p="http://schemas.openxmlformats.org/presentationml/2006/main">
-  <p:cSld>
-    <p:spTree>
-      <p:nvGrpSpPr>
-        <p:cNvPr id="1" name=""/>
-        <p:cNvGrpSpPr/>
-        <p:nvPr/>
-      </p:nvGrpSpPr>
-      <p:grpSpPr>
-        <a:xfrm>
-          <a:off x="0" y="0"/>
-          <a:ext cx="0" cy="0"/>
-          <a:chOff x="0" y="0"/>
-          <a:chExt cx="0" cy="0"/>
-        </a:xfrm>
-      </p:grpSpPr>
-      <p:sp>
-        <p:nvSpPr>
-          <p:cNvPr id="2" name="Заголовок 1">
-            <a:extLst>
-              <a:ext uri="{FF2B5EF4-FFF2-40B4-BE49-F238E27FC236}">
-                <a16:creationId xmlns:a16="http://schemas.microsoft.com/office/drawing/2014/main" id="{E5E18C16-493F-C0F6-1226-B953C44BB2B9}"/>
-              </a:ext>
-            </a:extLst>
-          </p:cNvPr>
-          <p:cNvSpPr>
-            <a:spLocks noGrp="1"/>
-          </p:cNvSpPr>
-          <p:nvPr>
-            <p:ph type="title"/>
-          </p:nvPr>
-        </p:nvSpPr>
-        <p:spPr/>
-        <p:txBody>
-          <a:bodyPr>
-            <a:normAutofit/>
-          </a:bodyPr>
-          <a:lstStyle/>
-          <a:p>
-            <a:r>
-              <a:rPr lang="ru-RU" sz="4800" b="1" dirty="0"/>
-              <a:t>Задание</a:t>
-            </a:r>
-          </a:p>
-        </p:txBody>
-      </p:sp>
-      <p:sp>
-        <p:nvSpPr>
-          <p:cNvPr id="3" name="Объект 2">
-            <a:extLst>
-              <a:ext uri="{FF2B5EF4-FFF2-40B4-BE49-F238E27FC236}">
-                <a16:creationId xmlns:a16="http://schemas.microsoft.com/office/drawing/2014/main" id="{BE421393-E6D9-4C04-F323-217F01E33B93}"/>
-              </a:ext>
-            </a:extLst>
-          </p:cNvPr>
-          <p:cNvSpPr>
-            <a:spLocks noGrp="1"/>
-          </p:cNvSpPr>
-          <p:nvPr>
-            <p:ph idx="1"/>
-          </p:nvPr>
-        </p:nvSpPr>
-        <p:spPr>
-          <a:xfrm>
-            <a:off x="838200" y="1424933"/>
-            <a:ext cx="10515600" cy="4351338"/>
-          </a:xfrm>
-        </p:spPr>
-        <p:txBody>
-          <a:bodyPr/>
-          <a:lstStyle/>
-          <a:p>
-            <a:r>
-              <a:rPr lang="ru-RU" sz="4400" dirty="0">
-                <a:solidFill>
-                  <a:srgbClr val="000000"/>
-                </a:solidFill>
-                <a:latin typeface="Calibri" panose="020F0502020204030204" pitchFamily="34" charset="0"/>
-              </a:rPr>
-              <a:t>Описать качественно временной ряд</a:t>
-            </a:r>
-            <a:endParaRPr lang="ru-RU" sz="6600" dirty="0"/>
-          </a:p>
-          <a:p>
-            <a:endParaRPr lang="ru-RU" dirty="0"/>
-          </a:p>
-        </p:txBody>
-      </p:sp>
-      <p:pic>
-        <p:nvPicPr>
-          <p:cNvPr id="4" name="Picture 2" descr="image_btc_day.png">
-            <a:extLst>
-              <a:ext uri="{FF2B5EF4-FFF2-40B4-BE49-F238E27FC236}">
-                <a16:creationId xmlns:a16="http://schemas.microsoft.com/office/drawing/2014/main" id="{AA648004-EFAF-A7BC-EC08-D520EE9F8157}"/>
-              </a:ext>
-            </a:extLst>
-          </p:cNvPr>
-          <p:cNvPicPr>
-            <a:picLocks noChangeAspect="1" noChangeArrowheads="1"/>
-          </p:cNvPicPr>
-          <p:nvPr/>
-        </p:nvPicPr>
-        <p:blipFill>
-          <a:blip r:embed="rId2">
-            <a:extLst>
-              <a:ext uri="{28A0092B-C50C-407E-A947-70E740481C1C}">
-                <a14:useLocalDpi xmlns:a14="http://schemas.microsoft.com/office/drawing/2010/main" val="0"/>
-              </a:ext>
-            </a:extLst>
-          </a:blip>
-          <a:srcRect/>
-          <a:stretch>
-            <a:fillRect/>
-          </a:stretch>
-        </p:blipFill>
-        <p:spPr bwMode="auto">
-          <a:xfrm>
-            <a:off x="602216" y="2241338"/>
-            <a:ext cx="4888242" cy="3617595"/>
-          </a:xfrm>
-          <a:prstGeom prst="rect">
-            <a:avLst/>
-          </a:prstGeom>
-          <a:noFill/>
-          <a:extLst>
-            <a:ext uri="{909E8E84-426E-40DD-AFC4-6F175D3DCCD1}">
-              <a14:hiddenFill xmlns:a14="http://schemas.microsoft.com/office/drawing/2010/main">
-                <a:solidFill>
-                  <a:srgbClr val="FFFFFF"/>
-                </a:solidFill>
-              </a14:hiddenFill>
-            </a:ext>
-          </a:extLst>
-        </p:spPr>
-      </p:pic>
-      <p:pic>
-        <p:nvPicPr>
-          <p:cNvPr id="5" name="Picture 4" descr="image.png">
-            <a:extLst>
-              <a:ext uri="{FF2B5EF4-FFF2-40B4-BE49-F238E27FC236}">
-                <a16:creationId xmlns:a16="http://schemas.microsoft.com/office/drawing/2014/main" id="{BC245391-244E-3F49-3C5F-0E201C67AF56}"/>
-              </a:ext>
-            </a:extLst>
-          </p:cNvPr>
-          <p:cNvPicPr>
-            <a:picLocks noChangeAspect="1" noChangeArrowheads="1"/>
-          </p:cNvPicPr>
-          <p:nvPr/>
-        </p:nvPicPr>
-        <p:blipFill>
-          <a:blip r:embed="rId3">
-            <a:extLst>
-              <a:ext uri="{28A0092B-C50C-407E-A947-70E740481C1C}">
-                <a14:useLocalDpi xmlns:a14="http://schemas.microsoft.com/office/drawing/2010/main" val="0"/>
-              </a:ext>
-            </a:extLst>
-          </a:blip>
-          <a:srcRect/>
-          <a:stretch>
-            <a:fillRect/>
-          </a:stretch>
-        </p:blipFill>
-        <p:spPr bwMode="auto">
-          <a:xfrm>
-            <a:off x="6284971" y="2241338"/>
-            <a:ext cx="5432322" cy="3534933"/>
-          </a:xfrm>
-          <a:prstGeom prst="rect">
-            <a:avLst/>
-          </a:prstGeom>
-          <a:noFill/>
-          <a:extLst>
-            <a:ext uri="{909E8E84-426E-40DD-AFC4-6F175D3DCCD1}">
-              <a14:hiddenFill xmlns:a14="http://schemas.microsoft.com/office/drawing/2010/main">
-                <a:solidFill>
-                  <a:srgbClr val="FFFFFF"/>
-                </a:solidFill>
-              </a14:hiddenFill>
-            </a:ext>
-          </a:extLst>
-        </p:spPr>
-      </p:pic>
-    </p:spTree>
-    <p:extLst>
-      <p:ext uri="{BB962C8B-B14F-4D97-AF65-F5344CB8AC3E}">
-        <p14:creationId xmlns:p14="http://schemas.microsoft.com/office/powerpoint/2010/main" val="1417755153"/>
-      </p:ext>
-    </p:extLst>
-  </p:cSld>
-  <p:clrMapOvr>
-    <a:masterClrMapping/>
-  </p:clrMapOvr>
-  <p:timing>
-    <p:tnLst>
-      <p:par>
-        <p:cTn id="1" dur="indefinite" restart="never" nodeType="tmRoot"/>
-      </p:par>
-    </p:tnLst>
-  </p:timing>
-</p:sld>
-</file>
-
-<file path=ppt/slides/slide22.xml><?xml version="1.0" encoding="utf-8"?>
-<p:sld xmlns:a="http://schemas.openxmlformats.org/drawingml/2006/main" xmlns:r="http://schemas.openxmlformats.org/officeDocument/2006/relationships" xmlns:p="http://schemas.openxmlformats.org/presentationml/2006/main">
-  <p:cSld>
-    <p:spTree>
-      <p:nvGrpSpPr>
-        <p:cNvPr id="1" name=""/>
-        <p:cNvGrpSpPr/>
-        <p:nvPr/>
-      </p:nvGrpSpPr>
-      <p:grpSpPr>
-        <a:xfrm>
-          <a:off x="0" y="0"/>
-          <a:ext cx="0" cy="0"/>
-          <a:chOff x="0" y="0"/>
-          <a:chExt cx="0" cy="0"/>
-        </a:xfrm>
-      </p:grpSpPr>
-      <p:sp>
-        <p:nvSpPr>
-          <p:cNvPr id="2" name="Заголовок 1">
-            <a:extLst>
-              <a:ext uri="{FF2B5EF4-FFF2-40B4-BE49-F238E27FC236}">
-                <a16:creationId xmlns:a16="http://schemas.microsoft.com/office/drawing/2014/main" id="{E5E18C16-493F-C0F6-1226-B953C44BB2B9}"/>
-              </a:ext>
-            </a:extLst>
-          </p:cNvPr>
-          <p:cNvSpPr>
-            <a:spLocks noGrp="1"/>
-          </p:cNvSpPr>
-          <p:nvPr>
-            <p:ph type="title"/>
-          </p:nvPr>
-        </p:nvSpPr>
-        <p:spPr>
-          <a:xfrm>
-            <a:off x="425824" y="0"/>
-            <a:ext cx="10515600" cy="1325563"/>
-          </a:xfrm>
-        </p:spPr>
-        <p:txBody>
-          <a:bodyPr>
-            <a:normAutofit/>
-          </a:bodyPr>
-          <a:lstStyle/>
-          <a:p>
-            <a:r>
-              <a:rPr lang="ru-RU" sz="4800" b="1" dirty="0" smtClean="0"/>
-              <a:t>Вопросы Базовые 1й верно</a:t>
-            </a:r>
-            <a:endParaRPr lang="ru-RU" sz="4800" b="1" dirty="0"/>
-          </a:p>
-        </p:txBody>
-      </p:sp>
-      <p:sp>
-        <p:nvSpPr>
-          <p:cNvPr id="3" name="Объект 2">
-            <a:extLst>
-              <a:ext uri="{FF2B5EF4-FFF2-40B4-BE49-F238E27FC236}">
-                <a16:creationId xmlns:a16="http://schemas.microsoft.com/office/drawing/2014/main" id="{BE421393-E6D9-4C04-F323-217F01E33B93}"/>
-              </a:ext>
-            </a:extLst>
-          </p:cNvPr>
-          <p:cNvSpPr>
-            <a:spLocks noGrp="1"/>
-          </p:cNvSpPr>
-          <p:nvPr>
-            <p:ph idx="1"/>
-          </p:nvPr>
-        </p:nvSpPr>
-        <p:spPr>
-          <a:xfrm>
-            <a:off x="506506" y="1129096"/>
-            <a:ext cx="10515600" cy="5135887"/>
-          </a:xfrm>
-        </p:spPr>
-        <p:txBody>
-          <a:bodyPr>
-            <a:normAutofit fontScale="85000" lnSpcReduction="20000"/>
-          </a:bodyPr>
-          <a:lstStyle/>
-          <a:p>
-            <a:r>
-              <a:rPr lang="ru-RU" sz="2300" b="1" dirty="0" smtClean="0">
-                <a:ea typeface="Calibri" panose="020F0502020204030204" pitchFamily="34" charset="0"/>
-                <a:cs typeface="Times New Roman" panose="02020603050405020304" pitchFamily="18" charset="0"/>
-              </a:rPr>
-              <a:t>Тренд ВР </a:t>
-            </a:r>
-            <a:r>
-              <a:rPr lang="ru-RU" sz="2300" b="1" dirty="0">
-                <a:ea typeface="Calibri" panose="020F0502020204030204" pitchFamily="34" charset="0"/>
-                <a:cs typeface="Times New Roman" panose="02020603050405020304" pitchFamily="18" charset="0"/>
-              </a:rPr>
-              <a:t>— </a:t>
-            </a:r>
-            <a:r>
-              <a:rPr lang="ru-RU" sz="2300" dirty="0">
-                <a:ea typeface="Calibri" panose="020F0502020204030204" pitchFamily="34" charset="0"/>
-                <a:cs typeface="Times New Roman" panose="02020603050405020304" pitchFamily="18" charset="0"/>
-              </a:rPr>
-              <a:t>это </a:t>
-            </a:r>
-            <a:endParaRPr lang="ru-RU" sz="2300" dirty="0" smtClean="0">
-              <a:ea typeface="Calibri" panose="020F0502020204030204" pitchFamily="34" charset="0"/>
-              <a:cs typeface="Times New Roman" panose="02020603050405020304" pitchFamily="18" charset="0"/>
-            </a:endParaRPr>
-          </a:p>
-          <a:p>
-            <a:pPr marL="514350" indent="-514350">
-              <a:buFont typeface="+mj-lt"/>
-              <a:buAutoNum type="arabicPeriod"/>
-            </a:pPr>
-            <a:r>
-              <a:rPr lang="ru-RU" sz="2400" dirty="0"/>
-              <a:t>медленно меняющаяся часть зависимости </a:t>
-            </a:r>
-            <a:r>
-              <a:rPr lang="ru-RU" sz="2400" dirty="0" smtClean="0"/>
-              <a:t>ВР</a:t>
-            </a:r>
-            <a:r>
-              <a:rPr lang="ru-RU" sz="2300" dirty="0" smtClean="0">
-                <a:ea typeface="Calibri" panose="020F0502020204030204" pitchFamily="34" charset="0"/>
-                <a:cs typeface="Times New Roman" panose="02020603050405020304" pitchFamily="18" charset="0"/>
-              </a:rPr>
-              <a:t>. </a:t>
-            </a:r>
-          </a:p>
-          <a:p>
-            <a:pPr marL="514350" indent="-514350">
-              <a:buFont typeface="+mj-lt"/>
-              <a:buAutoNum type="arabicPeriod"/>
-            </a:pPr>
-            <a:r>
-              <a:rPr lang="ru-RU" sz="2300" dirty="0" smtClean="0">
-                <a:ea typeface="Calibri" panose="020F0502020204030204" pitchFamily="34" charset="0"/>
-                <a:cs typeface="Times New Roman" panose="02020603050405020304" pitchFamily="18" charset="0"/>
-              </a:rPr>
-              <a:t>Редкие но регулярные события во ВР</a:t>
-            </a:r>
-          </a:p>
-          <a:p>
-            <a:pPr marL="514350" indent="-514350">
-              <a:buFont typeface="+mj-lt"/>
-              <a:buAutoNum type="arabicPeriod"/>
-            </a:pPr>
-            <a:r>
-              <a:rPr lang="ru-RU" sz="2300" dirty="0" smtClean="0">
-                <a:ea typeface="Calibri" panose="020F0502020204030204" pitchFamily="34" charset="0"/>
-                <a:cs typeface="Times New Roman" panose="02020603050405020304" pitchFamily="18" charset="0"/>
-              </a:rPr>
-              <a:t>Быстроменяющаяся и повторяющая часть ВР</a:t>
-            </a:r>
-          </a:p>
-          <a:p>
-            <a:pPr marL="514350" indent="-514350">
-              <a:buFont typeface="+mj-lt"/>
-              <a:buAutoNum type="arabicPeriod"/>
-            </a:pPr>
-            <a:r>
-              <a:rPr lang="ru-RU" sz="2300" dirty="0" smtClean="0">
-                <a:ea typeface="Calibri" panose="020F0502020204030204" pitchFamily="34" charset="0"/>
-                <a:cs typeface="Times New Roman" panose="02020603050405020304" pitchFamily="18" charset="0"/>
-              </a:rPr>
-              <a:t>Не регулярные </a:t>
-            </a:r>
-            <a:r>
-              <a:rPr lang="ru-RU" sz="2300" dirty="0">
-                <a:ea typeface="Calibri" panose="020F0502020204030204" pitchFamily="34" charset="0"/>
-                <a:cs typeface="Times New Roman" panose="02020603050405020304" pitchFamily="18" charset="0"/>
-              </a:rPr>
-              <a:t>события во ВР</a:t>
-            </a:r>
-          </a:p>
-          <a:p>
-            <a:r>
-              <a:rPr lang="ru-RU" sz="2300" b="1" dirty="0" smtClean="0">
-                <a:ea typeface="Calibri" panose="020F0502020204030204" pitchFamily="34" charset="0"/>
-                <a:cs typeface="Times New Roman" panose="02020603050405020304" pitchFamily="18" charset="0"/>
-              </a:rPr>
-              <a:t>Сезонность</a:t>
-            </a:r>
-            <a:r>
-              <a:rPr lang="ru-RU" sz="2300" dirty="0" smtClean="0">
-                <a:ea typeface="Calibri" panose="020F0502020204030204" pitchFamily="34" charset="0"/>
-                <a:cs typeface="Times New Roman" panose="02020603050405020304" pitchFamily="18" charset="0"/>
-              </a:rPr>
-              <a:t> </a:t>
-            </a:r>
-            <a:r>
-              <a:rPr lang="ru-RU" sz="2300" dirty="0">
-                <a:ea typeface="Calibri" panose="020F0502020204030204" pitchFamily="34" charset="0"/>
-                <a:cs typeface="Times New Roman" panose="02020603050405020304" pitchFamily="18" charset="0"/>
-              </a:rPr>
-              <a:t>- это </a:t>
-            </a:r>
-            <a:endParaRPr lang="ru-RU" sz="2300" dirty="0" smtClean="0">
-              <a:ea typeface="Calibri" panose="020F0502020204030204" pitchFamily="34" charset="0"/>
-              <a:cs typeface="Times New Roman" panose="02020603050405020304" pitchFamily="18" charset="0"/>
-            </a:endParaRPr>
-          </a:p>
-          <a:p>
-            <a:pPr marL="514350" indent="-514350">
-              <a:buFont typeface="+mj-lt"/>
-              <a:buAutoNum type="arabicPeriod"/>
-            </a:pPr>
-            <a:r>
-              <a:rPr lang="ru-RU" sz="2000" dirty="0" smtClean="0"/>
-              <a:t>относительно </a:t>
-            </a:r>
-            <a:r>
-              <a:rPr lang="ru-RU" sz="2000" dirty="0"/>
-              <a:t>быстро </a:t>
-            </a:r>
-            <a:r>
-              <a:rPr lang="ru-RU" sz="2000" dirty="0" smtClean="0"/>
-              <a:t>меняющиеся </a:t>
-            </a:r>
-            <a:r>
-              <a:rPr lang="ru-RU" sz="2000" dirty="0"/>
-              <a:t>периодические </a:t>
-            </a:r>
-            <a:r>
-              <a:rPr lang="ru-RU" sz="2000" dirty="0" smtClean="0"/>
-              <a:t>составляющие</a:t>
-            </a:r>
-          </a:p>
-          <a:p>
-            <a:pPr marL="514350" indent="-514350">
-              <a:buFont typeface="+mj-lt"/>
-              <a:buAutoNum type="arabicPeriod"/>
-            </a:pPr>
-            <a:r>
-              <a:rPr lang="ru-RU" sz="2400" dirty="0"/>
-              <a:t>относительно </a:t>
-            </a:r>
-            <a:r>
-              <a:rPr lang="ru-RU" sz="2400" dirty="0" smtClean="0"/>
-              <a:t>медленно </a:t>
-            </a:r>
-            <a:r>
-              <a:rPr lang="ru-RU" sz="2400" dirty="0"/>
-              <a:t>меняющиеся </a:t>
-            </a:r>
-            <a:r>
-              <a:rPr lang="ru-RU" sz="2400" dirty="0" smtClean="0"/>
-              <a:t>составляющие</a:t>
-            </a:r>
-            <a:endParaRPr lang="ru-RU" sz="2400" dirty="0"/>
-          </a:p>
-          <a:p>
-            <a:pPr marL="514350" indent="-514350">
-              <a:buFont typeface="+mj-lt"/>
-              <a:buAutoNum type="arabicPeriod"/>
-            </a:pPr>
-            <a:r>
-              <a:rPr lang="ru-RU" sz="2300" dirty="0" smtClean="0">
-                <a:ea typeface="Calibri" panose="020F0502020204030204" pitchFamily="34" charset="0"/>
-                <a:cs typeface="Times New Roman" panose="02020603050405020304" pitchFamily="18" charset="0"/>
-              </a:rPr>
-              <a:t>Составляющие, имеющие исключительно случайное поведение</a:t>
-            </a:r>
-            <a:endParaRPr lang="ru-RU" sz="2300" dirty="0">
-              <a:ea typeface="Calibri" panose="020F0502020204030204" pitchFamily="34" charset="0"/>
-              <a:cs typeface="Times New Roman" panose="02020603050405020304" pitchFamily="18" charset="0"/>
-            </a:endParaRPr>
-          </a:p>
-          <a:p>
-            <a:pPr marL="514350" indent="-514350">
-              <a:buFont typeface="+mj-lt"/>
-              <a:buAutoNum type="arabicPeriod"/>
-            </a:pPr>
-            <a:r>
-              <a:rPr lang="ru-RU" sz="2300" dirty="0">
-                <a:ea typeface="Calibri" panose="020F0502020204030204" pitchFamily="34" charset="0"/>
-                <a:cs typeface="Times New Roman" panose="02020603050405020304" pitchFamily="18" charset="0"/>
-              </a:rPr>
-              <a:t>Не регулярные события во ВР</a:t>
-            </a:r>
-          </a:p>
-          <a:p>
-            <a:r>
-              <a:rPr lang="ru-RU" sz="2400" b="1" dirty="0" smtClean="0"/>
-              <a:t>Шумы - </a:t>
-            </a:r>
-            <a:r>
-              <a:rPr lang="ru-RU" sz="2400" dirty="0" smtClean="0"/>
-              <a:t>это</a:t>
-            </a:r>
-            <a:endParaRPr lang="ru-RU" sz="2300" dirty="0">
-              <a:ea typeface="Calibri" panose="020F0502020204030204" pitchFamily="34" charset="0"/>
-              <a:cs typeface="Times New Roman" panose="02020603050405020304" pitchFamily="18" charset="0"/>
-            </a:endParaRPr>
-          </a:p>
-          <a:p>
-            <a:pPr marL="514350" indent="-514350">
-              <a:buFont typeface="+mj-lt"/>
-              <a:buAutoNum type="arabicPeriod"/>
-            </a:pPr>
-            <a:r>
-              <a:rPr lang="ru-RU" sz="2300" dirty="0">
-                <a:ea typeface="Calibri" panose="020F0502020204030204" pitchFamily="34" charset="0"/>
-                <a:cs typeface="Times New Roman" panose="02020603050405020304" pitchFamily="18" charset="0"/>
-              </a:rPr>
-              <a:t>Составляющие, имеющие исключительно случайное поведение</a:t>
-            </a:r>
-          </a:p>
-          <a:p>
-            <a:pPr marL="514350" indent="-514350">
-              <a:buFont typeface="+mj-lt"/>
-              <a:buAutoNum type="arabicPeriod"/>
-            </a:pPr>
-            <a:r>
-              <a:rPr lang="ru-RU" sz="2000" dirty="0"/>
-              <a:t>относительно медленно меняющиеся составляющие</a:t>
-            </a:r>
-          </a:p>
-          <a:p>
-            <a:pPr marL="514350" indent="-514350">
-              <a:buFont typeface="+mj-lt"/>
-              <a:buAutoNum type="arabicPeriod"/>
-            </a:pPr>
-            <a:r>
-              <a:rPr lang="ru-RU" sz="2300" dirty="0">
-                <a:ea typeface="Calibri" panose="020F0502020204030204" pitchFamily="34" charset="0"/>
-                <a:cs typeface="Times New Roman" panose="02020603050405020304" pitchFamily="18" charset="0"/>
-              </a:rPr>
-              <a:t>Быстроменяющаяся и повторяющая часть ВР</a:t>
-            </a:r>
-          </a:p>
-          <a:p>
-            <a:pPr marL="514350" indent="-514350">
-              <a:buFont typeface="+mj-lt"/>
-              <a:buAutoNum type="arabicPeriod"/>
-            </a:pPr>
-            <a:r>
-              <a:rPr lang="ru-RU" sz="2400" dirty="0">
-                <a:ea typeface="Calibri" panose="020F0502020204030204" pitchFamily="34" charset="0"/>
-                <a:cs typeface="Times New Roman" panose="02020603050405020304" pitchFamily="18" charset="0"/>
-              </a:rPr>
-              <a:t>Редкие но регулярные события во ВР</a:t>
-            </a:r>
-          </a:p>
-          <a:p>
-            <a:pPr marL="514350" indent="-514350">
-              <a:buFont typeface="+mj-lt"/>
-              <a:buAutoNum type="arabicPeriod"/>
-            </a:pPr>
-            <a:endParaRPr lang="ru-RU" dirty="0">
-              <a:ea typeface="Calibri" panose="020F0502020204030204" pitchFamily="34" charset="0"/>
-              <a:cs typeface="Times New Roman" panose="02020603050405020304" pitchFamily="18" charset="0"/>
-            </a:endParaRPr>
-          </a:p>
-          <a:p>
-            <a:pPr marL="514350" indent="-514350">
-              <a:buFont typeface="+mj-lt"/>
-              <a:buAutoNum type="arabicPeriod"/>
-            </a:pPr>
-            <a:endParaRPr lang="ru-RU" dirty="0">
-              <a:ea typeface="Calibri" panose="020F0502020204030204" pitchFamily="34" charset="0"/>
-              <a:cs typeface="Times New Roman" panose="02020603050405020304" pitchFamily="18" charset="0"/>
-            </a:endParaRPr>
-          </a:p>
-          <a:p>
-            <a:endParaRPr lang="ru-RU" dirty="0"/>
-          </a:p>
-        </p:txBody>
-      </p:sp>
-    </p:spTree>
-    <p:extLst>
-      <p:ext uri="{BB962C8B-B14F-4D97-AF65-F5344CB8AC3E}">
-        <p14:creationId xmlns:p14="http://schemas.microsoft.com/office/powerpoint/2010/main" val="247911049"/>
-      </p:ext>
-    </p:extLst>
-  </p:cSld>
-  <p:clrMapOvr>
-    <a:masterClrMapping/>
-  </p:clrMapOvr>
-  <p:timing>
-    <p:tnLst>
-      <p:par>
-        <p:cTn id="1" dur="indefinite" restart="never" nodeType="tmRoot"/>
-      </p:par>
-    </p:tnLst>
-  </p:timing>
-</p:sld>
-</file>
-
-<file path=ppt/slides/slide23.xml><?xml version="1.0" encoding="utf-8"?>
-<p:sld xmlns:a="http://schemas.openxmlformats.org/drawingml/2006/main" xmlns:r="http://schemas.openxmlformats.org/officeDocument/2006/relationships" xmlns:p="http://schemas.openxmlformats.org/presentationml/2006/main">
-  <p:cSld>
-    <p:spTree>
-      <p:nvGrpSpPr>
-        <p:cNvPr id="1" name=""/>
-        <p:cNvGrpSpPr/>
-        <p:nvPr/>
-      </p:nvGrpSpPr>
-      <p:grpSpPr>
-        <a:xfrm>
-          <a:off x="0" y="0"/>
-          <a:ext cx="0" cy="0"/>
-          <a:chOff x="0" y="0"/>
-          <a:chExt cx="0" cy="0"/>
-        </a:xfrm>
-      </p:grpSpPr>
-      <p:sp>
-        <p:nvSpPr>
-          <p:cNvPr id="2" name="Заголовок 1">
-            <a:extLst>
-              <a:ext uri="{FF2B5EF4-FFF2-40B4-BE49-F238E27FC236}">
-                <a16:creationId xmlns:a16="http://schemas.microsoft.com/office/drawing/2014/main" id="{E5E18C16-493F-C0F6-1226-B953C44BB2B9}"/>
-              </a:ext>
-            </a:extLst>
-          </p:cNvPr>
-          <p:cNvSpPr>
-            <a:spLocks noGrp="1"/>
-          </p:cNvSpPr>
-          <p:nvPr>
-            <p:ph type="title"/>
-          </p:nvPr>
-        </p:nvSpPr>
-        <p:spPr>
-          <a:xfrm>
-            <a:off x="398929" y="0"/>
-            <a:ext cx="10515600" cy="1325563"/>
-          </a:xfrm>
-        </p:spPr>
-        <p:txBody>
-          <a:bodyPr>
-            <a:normAutofit/>
-          </a:bodyPr>
-          <a:lstStyle/>
-          <a:p>
-            <a:r>
-              <a:rPr lang="ru-RU" sz="4800" b="1" dirty="0" smtClean="0"/>
-              <a:t>Вопросы Продвинутые </a:t>
-            </a:r>
-            <a:r>
-              <a:rPr lang="en-US" sz="4800" b="1" dirty="0" smtClean="0"/>
-              <a:t>(X)-</a:t>
-            </a:r>
-            <a:r>
-              <a:rPr lang="ru-RU" sz="4800" b="1" dirty="0" smtClean="0"/>
-              <a:t>верно</a:t>
-            </a:r>
-            <a:endParaRPr lang="ru-RU" sz="4800" b="1" dirty="0"/>
-          </a:p>
-        </p:txBody>
-      </p:sp>
-      <mc:AlternateContent xmlns:mc="http://schemas.openxmlformats.org/markup-compatibility/2006">
-        <mc:Choice xmlns:a14="http://schemas.microsoft.com/office/drawing/2010/main" Requires="a14">
-          <p:sp>
-            <p:nvSpPr>
-              <p:cNvPr id="3" name="Объект 2">
-                <a:extLst>
-                  <a:ext uri="{FF2B5EF4-FFF2-40B4-BE49-F238E27FC236}">
-                    <a16:creationId xmlns:a16="http://schemas.microsoft.com/office/drawing/2014/main" id="{BE421393-E6D9-4C04-F323-217F01E33B93}"/>
-                  </a:ext>
-                </a:extLst>
-              </p:cNvPr>
-              <p:cNvSpPr>
-                <a:spLocks noGrp="1"/>
-              </p:cNvSpPr>
-              <p:nvPr>
-                <p:ph idx="1"/>
-              </p:nvPr>
-            </p:nvSpPr>
-            <p:spPr>
-              <a:xfrm>
-                <a:off x="398928" y="1075308"/>
-                <a:ext cx="11551645" cy="4284343"/>
-              </a:xfrm>
-            </p:spPr>
-            <p:txBody>
-              <a:bodyPr>
-                <a:normAutofit fontScale="92500" lnSpcReduction="20000"/>
-              </a:bodyPr>
-              <a:lstStyle/>
-              <a:p>
-                <a:pPr lvl="0"/>
-                <a:r>
-                  <a:rPr lang="ru-RU" sz="2000" b="1" dirty="0" smtClean="0"/>
-                  <a:t>Определить тренд по описанию</a:t>
-                </a:r>
-                <a:r>
-                  <a:rPr lang="ru-RU" sz="2000" dirty="0" smtClean="0"/>
-                  <a:t>.</a:t>
-                </a:r>
-                <a:r>
-                  <a:rPr lang="ru-RU" sz="2300" b="1" dirty="0" smtClean="0">
-                    <a:ea typeface="Calibri" panose="020F0502020204030204" pitchFamily="34" charset="0"/>
-                    <a:cs typeface="Times New Roman" panose="02020603050405020304" pitchFamily="18" charset="0"/>
-                  </a:rPr>
-                  <a:t> </a:t>
-                </a:r>
-              </a:p>
-              <a:p>
-                <a:pPr marL="971550" lvl="1" indent="-514350">
-                  <a:buFont typeface="+mj-lt"/>
-                  <a:buAutoNum type="arabicPeriod"/>
-                </a:pPr>
-                <a:r>
-                  <a:rPr lang="ru-RU" dirty="0" smtClean="0">
-                    <a:cs typeface="Times New Roman" panose="02020603050405020304" pitchFamily="18" charset="0"/>
-                  </a:rPr>
-                  <a:t>Значения ВР постоянно изменяются по экспоненциальному закону (х) </a:t>
-                </a:r>
-                <a:endParaRPr lang="ru-RU" dirty="0" smtClean="0">
-                  <a:cs typeface="Times New Roman" panose="02020603050405020304" pitchFamily="18" charset="0"/>
-                </a:endParaRPr>
-              </a:p>
-              <a:p>
-                <a:pPr marL="971550" lvl="1" indent="-514350">
-                  <a:buFont typeface="+mj-lt"/>
-                  <a:buAutoNum type="arabicPeriod"/>
-                </a:pPr>
-                <a:r>
-                  <a:rPr lang="ru-RU" dirty="0">
-                    <a:cs typeface="Times New Roman" panose="02020603050405020304" pitchFamily="18" charset="0"/>
-                  </a:rPr>
-                  <a:t>Значения ВР </a:t>
-                </a:r>
-                <a:r>
-                  <a:rPr lang="ru-RU" dirty="0" smtClean="0">
-                    <a:cs typeface="Times New Roman" panose="02020603050405020304" pitchFamily="18" charset="0"/>
-                  </a:rPr>
-                  <a:t>изменяются по параболе, между несколькими точками перегиба (х)</a:t>
-                </a:r>
-              </a:p>
-              <a:p>
-                <a:pPr marL="971550" lvl="1" indent="-514350">
-                  <a:buFont typeface="+mj-lt"/>
-                  <a:buAutoNum type="arabicPeriod"/>
-                </a:pPr>
-                <a:r>
-                  <a:rPr lang="ru-RU" dirty="0">
-                    <a:cs typeface="Times New Roman" panose="02020603050405020304" pitchFamily="18" charset="0"/>
-                  </a:rPr>
-                  <a:t>Значения ВР </a:t>
-                </a:r>
-                <a:r>
-                  <a:rPr lang="ru-RU" dirty="0" smtClean="0">
-                    <a:cs typeface="Times New Roman" panose="02020603050405020304" pitchFamily="18" charset="0"/>
-                  </a:rPr>
-                  <a:t>изменяются по чистой синусоиде</a:t>
-                </a:r>
-              </a:p>
-              <a:p>
-                <a:pPr marL="971550" lvl="1" indent="-514350">
-                  <a:buFont typeface="+mj-lt"/>
-                  <a:buAutoNum type="arabicPeriod"/>
-                </a:pPr>
-                <a:r>
-                  <a:rPr lang="ru-RU" dirty="0">
-                    <a:cs typeface="Times New Roman" panose="02020603050405020304" pitchFamily="18" charset="0"/>
-                  </a:rPr>
-                  <a:t>Значения ВР изменяются </a:t>
-                </a:r>
-                <a:r>
-                  <a:rPr lang="ru-RU" dirty="0" smtClean="0">
-                    <a:cs typeface="Times New Roman" panose="02020603050405020304" pitchFamily="18" charset="0"/>
-                  </a:rPr>
-                  <a:t>случайно, подчиняясь нормальному закону</a:t>
-                </a:r>
-                <a:endParaRPr lang="ru-RU" dirty="0">
-                  <a:cs typeface="Times New Roman" panose="02020603050405020304" pitchFamily="18" charset="0"/>
-                </a:endParaRPr>
-              </a:p>
-              <a:p>
-                <a:pPr marL="971550" lvl="1" indent="-514350">
-                  <a:buFont typeface="+mj-lt"/>
-                  <a:buAutoNum type="arabicPeriod"/>
-                </a:pPr>
-                <a:r>
-                  <a:rPr lang="ru-RU" dirty="0">
-                    <a:cs typeface="Times New Roman" panose="02020603050405020304" pitchFamily="18" charset="0"/>
-                  </a:rPr>
-                  <a:t>Значения ВР изменяются </a:t>
-                </a:r>
-                <a:r>
-                  <a:rPr lang="ru-RU" dirty="0" smtClean="0">
-                    <a:cs typeface="Times New Roman" panose="02020603050405020304" pitchFamily="18" charset="0"/>
-                  </a:rPr>
-                  <a:t>пилообразно без затухания   </a:t>
-                </a:r>
-                <a:endParaRPr lang="ru-RU" dirty="0">
-                  <a:cs typeface="Times New Roman" panose="02020603050405020304" pitchFamily="18" charset="0"/>
-                </a:endParaRPr>
-              </a:p>
-              <a:p>
-                <a:r>
-                  <a:rPr lang="ru-RU" sz="2000" b="1" dirty="0"/>
-                  <a:t>Определить </a:t>
-                </a:r>
-                <a:r>
-                  <a:rPr lang="ru-RU" sz="2000" b="1" dirty="0" smtClean="0"/>
-                  <a:t>исключительно мультипликативную модель</a:t>
-                </a:r>
-              </a:p>
-              <a:p>
-                <a:pPr marL="971550" lvl="1" indent="-514350">
-                  <a:buFont typeface="+mj-lt"/>
-                  <a:buAutoNum type="arabicPeriod"/>
-                </a:pPr>
-                <a14:m>
-                  <m:oMath xmlns:m="http://schemas.openxmlformats.org/officeDocument/2006/math">
-                    <m:r>
-                      <a:rPr lang="en-US" altLang="en-US" i="1" dirty="0">
-                        <a:latin typeface="Cambria Math" panose="02040503050406030204" pitchFamily="18" charset="0"/>
-                      </a:rPr>
-                      <m:t>𝑦</m:t>
-                    </m:r>
-                    <m:d>
-                      <m:dPr>
-                        <m:ctrlPr>
-                          <a:rPr lang="en-US" altLang="en-US" i="1" dirty="0">
-                            <a:latin typeface="Cambria Math" panose="02040503050406030204" pitchFamily="18" charset="0"/>
-                          </a:rPr>
-                        </m:ctrlPr>
-                      </m:dPr>
-                      <m:e>
-                        <m:r>
-                          <a:rPr lang="en-US" altLang="en-US" i="1" dirty="0">
-                            <a:latin typeface="Cambria Math" panose="02040503050406030204" pitchFamily="18" charset="0"/>
-                          </a:rPr>
-                          <m:t>𝑡</m:t>
-                        </m:r>
-                      </m:e>
-                    </m:d>
-                    <m:r>
-                      <a:rPr lang="en-US" altLang="en-US" i="1" dirty="0">
-                        <a:latin typeface="Cambria Math" panose="02040503050406030204" pitchFamily="18" charset="0"/>
-                      </a:rPr>
-                      <m:t>= </m:t>
-                    </m:r>
-                    <m:r>
-                      <a:rPr lang="en-US" altLang="en-US" i="1" dirty="0">
-                        <a:latin typeface="Cambria Math" panose="02040503050406030204" pitchFamily="18" charset="0"/>
-                      </a:rPr>
-                      <m:t>𝑠𝑒𝑎𝑠𝑜𝑛𝑎𝑙</m:t>
-                    </m:r>
-                    <m:d>
-                      <m:dPr>
-                        <m:ctrlPr>
-                          <a:rPr lang="en-US" altLang="en-US" i="1" dirty="0">
-                            <a:latin typeface="Cambria Math" panose="02040503050406030204" pitchFamily="18" charset="0"/>
-                          </a:rPr>
-                        </m:ctrlPr>
-                      </m:dPr>
-                      <m:e>
-                        <m:r>
-                          <a:rPr lang="en-US" altLang="en-US" i="1" dirty="0">
-                            <a:latin typeface="Cambria Math" panose="02040503050406030204" pitchFamily="18" charset="0"/>
-                          </a:rPr>
-                          <m:t>𝑡</m:t>
-                        </m:r>
-                      </m:e>
-                    </m:d>
-                    <m:r>
-                      <a:rPr lang="en-US" altLang="en-US" i="1" dirty="0">
-                        <a:latin typeface="Cambria Math" panose="02040503050406030204" pitchFamily="18" charset="0"/>
-                      </a:rPr>
-                      <m:t>⋅</m:t>
-                    </m:r>
-                    <m:r>
-                      <a:rPr lang="en-US" altLang="en-US" i="1" dirty="0">
-                        <a:latin typeface="Cambria Math" panose="02040503050406030204" pitchFamily="18" charset="0"/>
-                      </a:rPr>
-                      <m:t>𝑛𝑜𝑖𝑠𝑒</m:t>
-                    </m:r>
-                    <m:r>
-                      <a:rPr lang="en-US" altLang="en-US" i="1" dirty="0">
-                        <a:latin typeface="Cambria Math" panose="02040503050406030204" pitchFamily="18" charset="0"/>
-                      </a:rPr>
-                      <m:t>(</m:t>
-                    </m:r>
-                    <m:r>
-                      <a:rPr lang="en-US" altLang="en-US" i="1" dirty="0">
-                        <a:latin typeface="Cambria Math" panose="02040503050406030204" pitchFamily="18" charset="0"/>
-                      </a:rPr>
-                      <m:t>𝑡</m:t>
-                    </m:r>
-                    <m:r>
-                      <a:rPr lang="en-US" altLang="en-US" i="1" dirty="0">
-                        <a:latin typeface="Cambria Math" panose="02040503050406030204" pitchFamily="18" charset="0"/>
-                      </a:rPr>
-                      <m:t>)</m:t>
-                    </m:r>
-                  </m:oMath>
-                </a14:m>
-                <a:r>
-                  <a:rPr lang="en-US" dirty="0" smtClean="0">
-                    <a:cs typeface="Times New Roman" panose="02020603050405020304" pitchFamily="18" charset="0"/>
-                  </a:rPr>
-                  <a:t> (x)</a:t>
-                </a:r>
-                <a:endParaRPr lang="ru-RU" dirty="0">
-                  <a:cs typeface="Times New Roman" panose="02020603050405020304" pitchFamily="18" charset="0"/>
-                </a:endParaRPr>
-              </a:p>
-              <a:p>
-                <a:pPr marL="971550" lvl="1" indent="-514350">
-                  <a:buFont typeface="+mj-lt"/>
-                  <a:buAutoNum type="arabicPeriod"/>
-                </a:pPr>
-                <a14:m>
-                  <m:oMath xmlns:m="http://schemas.openxmlformats.org/officeDocument/2006/math">
-                    <m:r>
-                      <a:rPr lang="en-US" altLang="en-US" i="1" dirty="0">
-                        <a:latin typeface="Cambria Math" panose="02040503050406030204" pitchFamily="18" charset="0"/>
-                      </a:rPr>
-                      <m:t>𝑦</m:t>
-                    </m:r>
-                    <m:r>
-                      <a:rPr lang="en-US" altLang="en-US" i="1" dirty="0">
-                        <a:latin typeface="Cambria Math" panose="02040503050406030204" pitchFamily="18" charset="0"/>
-                      </a:rPr>
-                      <m:t>(</m:t>
-                    </m:r>
-                    <m:r>
-                      <a:rPr lang="en-US" altLang="en-US" i="1" dirty="0">
-                        <a:latin typeface="Cambria Math" panose="02040503050406030204" pitchFamily="18" charset="0"/>
-                      </a:rPr>
-                      <m:t>𝑡</m:t>
-                    </m:r>
-                    <m:r>
-                      <a:rPr lang="en-US" altLang="en-US" i="1" dirty="0">
-                        <a:latin typeface="Cambria Math" panose="02040503050406030204" pitchFamily="18" charset="0"/>
-                      </a:rPr>
-                      <m:t>) = </m:t>
-                    </m:r>
-                    <m:r>
-                      <a:rPr lang="en-US" altLang="en-US" i="1" dirty="0">
-                        <a:latin typeface="Cambria Math" panose="02040503050406030204" pitchFamily="18" charset="0"/>
-                      </a:rPr>
-                      <m:t>𝑡𝑟𝑒𝑛𝑑</m:t>
-                    </m:r>
-                    <m:r>
-                      <a:rPr lang="en-US" altLang="en-US" i="1" dirty="0">
-                        <a:latin typeface="Cambria Math" panose="02040503050406030204" pitchFamily="18" charset="0"/>
-                      </a:rPr>
-                      <m:t>(</m:t>
-                    </m:r>
-                    <m:r>
-                      <a:rPr lang="en-US" altLang="en-US" i="1" dirty="0">
-                        <a:latin typeface="Cambria Math" panose="02040503050406030204" pitchFamily="18" charset="0"/>
-                      </a:rPr>
-                      <m:t>𝑡</m:t>
-                    </m:r>
-                    <m:r>
-                      <a:rPr lang="en-US" altLang="en-US" i="1" dirty="0">
-                        <a:latin typeface="Cambria Math" panose="02040503050406030204" pitchFamily="18" charset="0"/>
-                      </a:rPr>
-                      <m:t>)+</m:t>
-                    </m:r>
-                    <m:nary>
-                      <m:naryPr>
-                        <m:chr m:val="∑"/>
-                        <m:ctrlPr>
-                          <a:rPr lang="en-US" altLang="en-US" i="1" dirty="0">
-                            <a:latin typeface="Cambria Math" panose="02040503050406030204" pitchFamily="18" charset="0"/>
-                          </a:rPr>
-                        </m:ctrlPr>
-                      </m:naryPr>
-                      <m:sub>
-                        <m:r>
-                          <a:rPr lang="en-US" altLang="en-US" i="1" dirty="0" err="1">
-                            <a:latin typeface="Cambria Math" panose="02040503050406030204" pitchFamily="18" charset="0"/>
-                          </a:rPr>
-                          <m:t>𝑖</m:t>
-                        </m:r>
-                        <m:r>
-                          <a:rPr lang="en-US" altLang="en-US" i="1" dirty="0">
-                            <a:latin typeface="Cambria Math" panose="02040503050406030204" pitchFamily="18" charset="0"/>
-                          </a:rPr>
-                          <m:t>=0</m:t>
-                        </m:r>
-                      </m:sub>
-                      <m:sup>
-                        <m:r>
-                          <a:rPr lang="en-US" altLang="en-US" i="1" dirty="0">
-                            <a:latin typeface="Cambria Math" panose="02040503050406030204" pitchFamily="18" charset="0"/>
-                          </a:rPr>
-                          <m:t>𝑀</m:t>
-                        </m:r>
-                      </m:sup>
-                      <m:e>
-                        <m:r>
-                          <a:rPr lang="en-US" altLang="en-US" i="1" dirty="0">
-                            <a:latin typeface="Cambria Math" panose="02040503050406030204" pitchFamily="18" charset="0"/>
-                          </a:rPr>
-                          <m:t>𝑠𝑒𝑎𝑠𝑜𝑛𝑎𝑙</m:t>
-                        </m:r>
-                        <m:r>
-                          <a:rPr lang="en-US" altLang="en-US" i="1" dirty="0">
-                            <a:latin typeface="Cambria Math" panose="02040503050406030204" pitchFamily="18" charset="0"/>
-                          </a:rPr>
-                          <m:t>(</m:t>
-                        </m:r>
-                        <m:r>
-                          <a:rPr lang="en-US" altLang="en-US" i="1" dirty="0">
-                            <a:latin typeface="Cambria Math" panose="02040503050406030204" pitchFamily="18" charset="0"/>
-                          </a:rPr>
-                          <m:t>𝑡</m:t>
-                        </m:r>
-                        <m:r>
-                          <a:rPr lang="en-US" altLang="en-US" i="1" dirty="0">
-                            <a:latin typeface="Cambria Math" panose="02040503050406030204" pitchFamily="18" charset="0"/>
-                          </a:rPr>
-                          <m:t>)</m:t>
-                        </m:r>
-                      </m:e>
-                    </m:nary>
-                    <m:r>
-                      <a:rPr lang="en-US" altLang="en-US" i="1" dirty="0">
-                        <a:latin typeface="Cambria Math" panose="02040503050406030204" pitchFamily="18" charset="0"/>
-                      </a:rPr>
-                      <m:t>+</m:t>
-                    </m:r>
-                    <m:nary>
-                      <m:naryPr>
-                        <m:chr m:val="∑"/>
-                        <m:ctrlPr>
-                          <a:rPr lang="en-US" altLang="en-US" i="1" dirty="0">
-                            <a:latin typeface="Cambria Math" panose="02040503050406030204" pitchFamily="18" charset="0"/>
-                          </a:rPr>
-                        </m:ctrlPr>
-                      </m:naryPr>
-                      <m:sub>
-                        <m:r>
-                          <a:rPr lang="en-US" altLang="en-US" i="1" dirty="0" err="1">
-                            <a:latin typeface="Cambria Math" panose="02040503050406030204" pitchFamily="18" charset="0"/>
-                          </a:rPr>
-                          <m:t>𝑖</m:t>
-                        </m:r>
-                        <m:r>
-                          <a:rPr lang="en-US" altLang="en-US" i="1" dirty="0">
-                            <a:latin typeface="Cambria Math" panose="02040503050406030204" pitchFamily="18" charset="0"/>
-                          </a:rPr>
-                          <m:t>=0</m:t>
-                        </m:r>
-                      </m:sub>
-                      <m:sup>
-                        <m:r>
-                          <a:rPr lang="en-US" altLang="en-US" i="1" dirty="0">
-                            <a:latin typeface="Cambria Math" panose="02040503050406030204" pitchFamily="18" charset="0"/>
-                          </a:rPr>
-                          <m:t>𝐻</m:t>
-                        </m:r>
-                      </m:sup>
-                      <m:e>
-                        <m:r>
-                          <a:rPr lang="en-US" altLang="en-US" i="1" dirty="0">
-                            <a:latin typeface="Cambria Math" panose="02040503050406030204" pitchFamily="18" charset="0"/>
-                          </a:rPr>
-                          <m:t>h𝑜𝑙𝑖𝑑𝑎𝑦𝑠</m:t>
-                        </m:r>
-                        <m:r>
-                          <a:rPr lang="en-US" altLang="en-US" i="1" dirty="0">
-                            <a:latin typeface="Cambria Math" panose="02040503050406030204" pitchFamily="18" charset="0"/>
-                          </a:rPr>
-                          <m:t>(</m:t>
-                        </m:r>
-                        <m:r>
-                          <a:rPr lang="en-US" altLang="en-US" i="1" dirty="0">
-                            <a:latin typeface="Cambria Math" panose="02040503050406030204" pitchFamily="18" charset="0"/>
-                          </a:rPr>
-                          <m:t>𝑡</m:t>
-                        </m:r>
-                        <m:r>
-                          <a:rPr lang="en-US" altLang="en-US" i="1" dirty="0">
-                            <a:latin typeface="Cambria Math" panose="02040503050406030204" pitchFamily="18" charset="0"/>
-                          </a:rPr>
-                          <m:t>)</m:t>
-                        </m:r>
-                      </m:e>
-                    </m:nary>
-                    <m:r>
-                      <a:rPr lang="en-US" altLang="en-US" i="1" dirty="0">
-                        <a:latin typeface="Cambria Math" panose="02040503050406030204" pitchFamily="18" charset="0"/>
-                      </a:rPr>
-                      <m:t> + </m:t>
-                    </m:r>
-                    <m:r>
-                      <a:rPr lang="en-US" altLang="en-US" i="1" dirty="0">
-                        <a:latin typeface="Cambria Math" panose="02040503050406030204" pitchFamily="18" charset="0"/>
-                      </a:rPr>
-                      <m:t>𝑛𝑜𝑖𝑠𝑒</m:t>
-                    </m:r>
-                    <m:r>
-                      <a:rPr lang="en-US" altLang="en-US" i="1" dirty="0">
-                        <a:latin typeface="Cambria Math" panose="02040503050406030204" pitchFamily="18" charset="0"/>
-                      </a:rPr>
-                      <m:t>(</m:t>
-                    </m:r>
-                    <m:r>
-                      <a:rPr lang="en-US" altLang="en-US" i="1" dirty="0">
-                        <a:latin typeface="Cambria Math" panose="02040503050406030204" pitchFamily="18" charset="0"/>
-                      </a:rPr>
-                      <m:t>𝑡</m:t>
-                    </m:r>
-                    <m:r>
-                      <a:rPr lang="en-US" altLang="en-US" i="1" dirty="0">
-                        <a:latin typeface="Cambria Math" panose="02040503050406030204" pitchFamily="18" charset="0"/>
-                      </a:rPr>
-                      <m:t>)</m:t>
-                    </m:r>
-                  </m:oMath>
-                </a14:m>
-                <a:endParaRPr lang="ru-RU" dirty="0">
-                  <a:cs typeface="Times New Roman" panose="02020603050405020304" pitchFamily="18" charset="0"/>
-                </a:endParaRPr>
-              </a:p>
-              <a:p>
-                <a:pPr marL="971550" lvl="1" indent="-514350">
-                  <a:buFont typeface="+mj-lt"/>
-                  <a:buAutoNum type="arabicPeriod"/>
-                </a:pPr>
-                <a14:m>
-                  <m:oMath xmlns:m="http://schemas.openxmlformats.org/officeDocument/2006/math">
-                    <m:r>
-                      <a:rPr lang="en-US" altLang="en-US" i="1" dirty="0">
-                        <a:latin typeface="Cambria Math" panose="02040503050406030204" pitchFamily="18" charset="0"/>
-                      </a:rPr>
-                      <m:t>𝑦</m:t>
-                    </m:r>
-                    <m:d>
-                      <m:dPr>
-                        <m:ctrlPr>
-                          <a:rPr lang="en-US" altLang="en-US" i="1" dirty="0">
-                            <a:latin typeface="Cambria Math" panose="02040503050406030204" pitchFamily="18" charset="0"/>
-                          </a:rPr>
-                        </m:ctrlPr>
-                      </m:dPr>
-                      <m:e>
-                        <m:r>
-                          <a:rPr lang="en-US" altLang="en-US" i="1" dirty="0">
-                            <a:latin typeface="Cambria Math" panose="02040503050406030204" pitchFamily="18" charset="0"/>
-                          </a:rPr>
-                          <m:t>𝑡</m:t>
-                        </m:r>
-                      </m:e>
-                    </m:d>
-                    <m:r>
-                      <a:rPr lang="en-US" altLang="en-US" i="1" dirty="0">
-                        <a:latin typeface="Cambria Math" panose="02040503050406030204" pitchFamily="18" charset="0"/>
-                      </a:rPr>
-                      <m:t>= </m:t>
-                    </m:r>
-                    <m:r>
-                      <a:rPr lang="en-US" altLang="en-US" i="1" dirty="0">
-                        <a:latin typeface="Cambria Math" panose="02040503050406030204" pitchFamily="18" charset="0"/>
-                      </a:rPr>
-                      <m:t>𝑡𝑟𝑒𝑛𝑑</m:t>
-                    </m:r>
-                    <m:d>
-                      <m:dPr>
-                        <m:ctrlPr>
-                          <a:rPr lang="en-US" altLang="en-US" i="1" dirty="0">
-                            <a:latin typeface="Cambria Math" panose="02040503050406030204" pitchFamily="18" charset="0"/>
-                          </a:rPr>
-                        </m:ctrlPr>
-                      </m:dPr>
-                      <m:e>
-                        <m:r>
-                          <a:rPr lang="en-US" altLang="en-US" i="1" dirty="0">
-                            <a:latin typeface="Cambria Math" panose="02040503050406030204" pitchFamily="18" charset="0"/>
-                          </a:rPr>
-                          <m:t>𝑡</m:t>
-                        </m:r>
-                      </m:e>
-                    </m:d>
-                    <m:r>
-                      <a:rPr lang="en-US" altLang="en-US" b="0" i="1" dirty="0" smtClean="0">
-                        <a:latin typeface="Cambria Math" panose="02040503050406030204" pitchFamily="18" charset="0"/>
-                      </a:rPr>
-                      <m:t>⋅</m:t>
-                    </m:r>
-                    <m:d>
-                      <m:dPr>
-                        <m:ctrlPr>
-                          <a:rPr lang="en-US" altLang="en-US" b="0" i="1" dirty="0" smtClean="0">
-                            <a:latin typeface="Cambria Math" panose="02040503050406030204" pitchFamily="18" charset="0"/>
-                          </a:rPr>
-                        </m:ctrlPr>
-                      </m:dPr>
-                      <m:e>
-                        <m:nary>
-                          <m:naryPr>
-                            <m:chr m:val="∑"/>
-                            <m:ctrlPr>
-                              <a:rPr lang="en-US" altLang="en-US" i="1" dirty="0">
-                                <a:latin typeface="Cambria Math" panose="02040503050406030204" pitchFamily="18" charset="0"/>
-                              </a:rPr>
-                            </m:ctrlPr>
-                          </m:naryPr>
-                          <m:sub>
-                            <m:r>
-                              <a:rPr lang="en-US" altLang="en-US" i="1" dirty="0" err="1">
-                                <a:latin typeface="Cambria Math" panose="02040503050406030204" pitchFamily="18" charset="0"/>
-                              </a:rPr>
-                              <m:t>𝑖</m:t>
-                            </m:r>
-                            <m:r>
-                              <a:rPr lang="en-US" altLang="en-US" i="1" dirty="0">
-                                <a:latin typeface="Cambria Math" panose="02040503050406030204" pitchFamily="18" charset="0"/>
-                              </a:rPr>
-                              <m:t>=0</m:t>
-                            </m:r>
-                          </m:sub>
-                          <m:sup>
-                            <m:r>
-                              <a:rPr lang="en-US" altLang="en-US" i="1" dirty="0">
-                                <a:latin typeface="Cambria Math" panose="02040503050406030204" pitchFamily="18" charset="0"/>
-                              </a:rPr>
-                              <m:t>𝑀</m:t>
-                            </m:r>
-                          </m:sup>
-                          <m:e>
-                            <m:r>
-                              <a:rPr lang="en-US" altLang="en-US" i="1" dirty="0">
-                                <a:latin typeface="Cambria Math" panose="02040503050406030204" pitchFamily="18" charset="0"/>
-                              </a:rPr>
-                              <m:t>𝑠𝑒𝑎𝑠𝑜𝑛𝑎𝑙</m:t>
-                            </m:r>
-                            <m:d>
-                              <m:dPr>
-                                <m:ctrlPr>
-                                  <a:rPr lang="en-US" altLang="en-US" i="1" dirty="0">
-                                    <a:latin typeface="Cambria Math" panose="02040503050406030204" pitchFamily="18" charset="0"/>
-                                  </a:rPr>
-                                </m:ctrlPr>
-                              </m:dPr>
-                              <m:e>
-                                <m:r>
-                                  <a:rPr lang="en-US" altLang="en-US" i="1" dirty="0">
-                                    <a:latin typeface="Cambria Math" panose="02040503050406030204" pitchFamily="18" charset="0"/>
-                                  </a:rPr>
-                                  <m:t>𝑡</m:t>
-                                </m:r>
-                              </m:e>
-                            </m:d>
-                          </m:e>
-                        </m:nary>
-                        <m:r>
-                          <a:rPr lang="en-US" altLang="en-US" i="1" dirty="0">
-                            <a:latin typeface="Cambria Math" panose="02040503050406030204" pitchFamily="18" charset="0"/>
-                          </a:rPr>
-                          <m:t>+</m:t>
-                        </m:r>
-                        <m:nary>
-                          <m:naryPr>
-                            <m:chr m:val="∑"/>
-                            <m:ctrlPr>
-                              <a:rPr lang="en-US" altLang="en-US" i="1" dirty="0">
-                                <a:latin typeface="Cambria Math" panose="02040503050406030204" pitchFamily="18" charset="0"/>
-                              </a:rPr>
-                            </m:ctrlPr>
-                          </m:naryPr>
-                          <m:sub>
-                            <m:r>
-                              <a:rPr lang="en-US" altLang="en-US" i="1" dirty="0" err="1">
-                                <a:latin typeface="Cambria Math" panose="02040503050406030204" pitchFamily="18" charset="0"/>
-                              </a:rPr>
-                              <m:t>𝑖</m:t>
-                            </m:r>
-                            <m:r>
-                              <a:rPr lang="en-US" altLang="en-US" i="1" dirty="0">
-                                <a:latin typeface="Cambria Math" panose="02040503050406030204" pitchFamily="18" charset="0"/>
-                              </a:rPr>
-                              <m:t>=0</m:t>
-                            </m:r>
-                          </m:sub>
-                          <m:sup>
-                            <m:r>
-                              <a:rPr lang="en-US" altLang="en-US" i="1" dirty="0">
-                                <a:latin typeface="Cambria Math" panose="02040503050406030204" pitchFamily="18" charset="0"/>
-                              </a:rPr>
-                              <m:t>𝐻</m:t>
-                            </m:r>
-                          </m:sup>
-                          <m:e>
-                            <m:r>
-                              <a:rPr lang="en-US" altLang="en-US" i="1" dirty="0">
-                                <a:latin typeface="Cambria Math" panose="02040503050406030204" pitchFamily="18" charset="0"/>
-                              </a:rPr>
-                              <m:t>h𝑜𝑙𝑖𝑑𝑎𝑦𝑠</m:t>
-                            </m:r>
-                            <m:d>
-                              <m:dPr>
-                                <m:ctrlPr>
-                                  <a:rPr lang="en-US" altLang="en-US" i="1" dirty="0">
-                                    <a:latin typeface="Cambria Math" panose="02040503050406030204" pitchFamily="18" charset="0"/>
-                                  </a:rPr>
-                                </m:ctrlPr>
-                              </m:dPr>
-                              <m:e>
-                                <m:r>
-                                  <a:rPr lang="en-US" altLang="en-US" i="1" dirty="0">
-                                    <a:latin typeface="Cambria Math" panose="02040503050406030204" pitchFamily="18" charset="0"/>
-                                  </a:rPr>
-                                  <m:t>𝑡</m:t>
-                                </m:r>
-                              </m:e>
-                            </m:d>
-                          </m:e>
-                        </m:nary>
-                      </m:e>
-                    </m:d>
-                  </m:oMath>
-                </a14:m>
-                <a:endParaRPr lang="ru-RU" dirty="0" smtClean="0">
-                  <a:cs typeface="Times New Roman" panose="02020603050405020304" pitchFamily="18" charset="0"/>
-                </a:endParaRPr>
-              </a:p>
-              <a:p>
-                <a:pPr marL="971550" lvl="1" indent="-514350">
-                  <a:buFont typeface="+mj-lt"/>
-                  <a:buAutoNum type="arabicPeriod"/>
-                </a:pPr>
-                <a14:m>
-                  <m:oMath xmlns:m="http://schemas.openxmlformats.org/officeDocument/2006/math">
-                    <m:r>
-                      <a:rPr lang="en-US" altLang="en-US" i="1" dirty="0">
-                        <a:latin typeface="Cambria Math" panose="02040503050406030204" pitchFamily="18" charset="0"/>
-                      </a:rPr>
-                      <m:t>𝑦</m:t>
-                    </m:r>
-                    <m:r>
-                      <a:rPr lang="en-US" altLang="en-US" i="1" dirty="0">
-                        <a:latin typeface="Cambria Math" panose="02040503050406030204" pitchFamily="18" charset="0"/>
-                      </a:rPr>
-                      <m:t>(</m:t>
-                    </m:r>
-                    <m:r>
-                      <a:rPr lang="en-US" altLang="en-US" i="1" dirty="0">
-                        <a:latin typeface="Cambria Math" panose="02040503050406030204" pitchFamily="18" charset="0"/>
-                      </a:rPr>
-                      <m:t>𝑡</m:t>
-                    </m:r>
-                    <m:r>
-                      <a:rPr lang="en-US" altLang="en-US" i="1" dirty="0">
-                        <a:latin typeface="Cambria Math" panose="02040503050406030204" pitchFamily="18" charset="0"/>
-                      </a:rPr>
-                      <m:t>) = </m:t>
-                    </m:r>
-                    <m:r>
-                      <a:rPr lang="en-US" altLang="en-US" i="1" dirty="0">
-                        <a:latin typeface="Cambria Math" panose="02040503050406030204" pitchFamily="18" charset="0"/>
-                      </a:rPr>
-                      <m:t>𝑡𝑟𝑒𝑛𝑑</m:t>
-                    </m:r>
-                    <m:r>
-                      <a:rPr lang="en-US" altLang="en-US" i="1" dirty="0">
-                        <a:latin typeface="Cambria Math" panose="02040503050406030204" pitchFamily="18" charset="0"/>
-                      </a:rPr>
-                      <m:t>(</m:t>
-                    </m:r>
-                    <m:r>
-                      <a:rPr lang="en-US" altLang="en-US" i="1" dirty="0">
-                        <a:latin typeface="Cambria Math" panose="02040503050406030204" pitchFamily="18" charset="0"/>
-                      </a:rPr>
-                      <m:t>𝑡</m:t>
-                    </m:r>
-                    <m:r>
-                      <a:rPr lang="en-US" altLang="en-US" i="1" dirty="0">
-                        <a:latin typeface="Cambria Math" panose="02040503050406030204" pitchFamily="18" charset="0"/>
-                      </a:rPr>
-                      <m:t>)+</m:t>
-                    </m:r>
-                    <m:nary>
-                      <m:naryPr>
-                        <m:chr m:val="∏"/>
-                        <m:ctrlPr>
-                          <a:rPr lang="en-US" altLang="en-US" i="1" dirty="0" smtClean="0">
-                            <a:latin typeface="Cambria Math" panose="02040503050406030204" pitchFamily="18" charset="0"/>
-                          </a:rPr>
-                        </m:ctrlPr>
-                      </m:naryPr>
-                      <m:sub>
-                        <m:r>
-                          <m:rPr>
-                            <m:brk m:alnAt="23"/>
-                          </m:rPr>
-                          <a:rPr lang="en-US" altLang="en-US" b="0" i="1" dirty="0" smtClean="0">
-                            <a:latin typeface="Cambria Math" panose="02040503050406030204" pitchFamily="18" charset="0"/>
-                          </a:rPr>
-                          <m:t>𝑖</m:t>
-                        </m:r>
-                        <m:r>
-                          <a:rPr lang="en-US" altLang="en-US" b="0" i="1" dirty="0" smtClean="0">
-                            <a:latin typeface="Cambria Math" panose="02040503050406030204" pitchFamily="18" charset="0"/>
-                          </a:rPr>
-                          <m:t>=0</m:t>
-                        </m:r>
-                      </m:sub>
-                      <m:sup>
-                        <m:r>
-                          <a:rPr lang="en-US" altLang="en-US" b="0" i="1" dirty="0" smtClean="0">
-                            <a:latin typeface="Cambria Math" panose="02040503050406030204" pitchFamily="18" charset="0"/>
-                          </a:rPr>
-                          <m:t>𝑀</m:t>
-                        </m:r>
-                      </m:sup>
-                      <m:e>
-                        <m:r>
-                          <a:rPr lang="en-US" altLang="en-US" i="1" dirty="0">
-                            <a:latin typeface="Cambria Math" panose="02040503050406030204" pitchFamily="18" charset="0"/>
-                          </a:rPr>
-                          <m:t>𝑠𝑒𝑎𝑠𝑜𝑛𝑎𝑙</m:t>
-                        </m:r>
-                        <m:r>
-                          <a:rPr lang="en-US" altLang="en-US" i="1" dirty="0">
-                            <a:latin typeface="Cambria Math" panose="02040503050406030204" pitchFamily="18" charset="0"/>
-                          </a:rPr>
-                          <m:t>(</m:t>
-                        </m:r>
-                        <m:r>
-                          <a:rPr lang="en-US" altLang="en-US" i="1" dirty="0">
-                            <a:latin typeface="Cambria Math" panose="02040503050406030204" pitchFamily="18" charset="0"/>
-                          </a:rPr>
-                          <m:t>𝑡</m:t>
-                        </m:r>
-                        <m:r>
-                          <a:rPr lang="en-US" altLang="en-US" i="1" dirty="0">
-                            <a:latin typeface="Cambria Math" panose="02040503050406030204" pitchFamily="18" charset="0"/>
-                          </a:rPr>
-                          <m:t>)</m:t>
-                        </m:r>
-                      </m:e>
-                    </m:nary>
-                  </m:oMath>
-                </a14:m>
-                <a:endParaRPr lang="en-US" sz="2300" b="1" dirty="0" smtClean="0">
-                  <a:ea typeface="Calibri" panose="020F0502020204030204" pitchFamily="34" charset="0"/>
-                  <a:cs typeface="Times New Roman" panose="02020603050405020304" pitchFamily="18" charset="0"/>
-                </a:endParaRPr>
-              </a:p>
-              <a:p>
-                <a:pPr marL="971550" lvl="1" indent="-514350">
-                  <a:buFont typeface="+mj-lt"/>
-                  <a:buAutoNum type="arabicPeriod"/>
-                </a:pPr>
-                <a14:m>
-                  <m:oMath xmlns:m="http://schemas.openxmlformats.org/officeDocument/2006/math">
-                    <m:r>
-                      <a:rPr lang="en-US" altLang="en-US" i="1" dirty="0">
-                        <a:latin typeface="Cambria Math" panose="02040503050406030204" pitchFamily="18" charset="0"/>
-                      </a:rPr>
-                      <m:t>𝑦</m:t>
-                    </m:r>
-                    <m:d>
-                      <m:dPr>
-                        <m:ctrlPr>
-                          <a:rPr lang="en-US" altLang="en-US" i="1" dirty="0">
-                            <a:latin typeface="Cambria Math" panose="02040503050406030204" pitchFamily="18" charset="0"/>
-                          </a:rPr>
-                        </m:ctrlPr>
-                      </m:dPr>
-                      <m:e>
-                        <m:r>
-                          <a:rPr lang="en-US" altLang="en-US" i="1" dirty="0">
-                            <a:latin typeface="Cambria Math" panose="02040503050406030204" pitchFamily="18" charset="0"/>
-                          </a:rPr>
-                          <m:t>𝑡</m:t>
-                        </m:r>
-                      </m:e>
-                    </m:d>
-                    <m:r>
-                      <a:rPr lang="en-US" altLang="en-US" i="1" dirty="0">
-                        <a:latin typeface="Cambria Math" panose="02040503050406030204" pitchFamily="18" charset="0"/>
-                      </a:rPr>
-                      <m:t>= </m:t>
-                    </m:r>
-                    <m:r>
-                      <a:rPr lang="en-US" altLang="en-US" i="1" dirty="0">
-                        <a:latin typeface="Cambria Math" panose="02040503050406030204" pitchFamily="18" charset="0"/>
-                      </a:rPr>
-                      <m:t>𝑡𝑟𝑒𝑛𝑑</m:t>
-                    </m:r>
-                    <m:d>
-                      <m:dPr>
-                        <m:ctrlPr>
-                          <a:rPr lang="en-US" altLang="en-US" i="1" dirty="0">
-                            <a:latin typeface="Cambria Math" panose="02040503050406030204" pitchFamily="18" charset="0"/>
-                          </a:rPr>
-                        </m:ctrlPr>
-                      </m:dPr>
-                      <m:e>
-                        <m:r>
-                          <a:rPr lang="en-US" altLang="en-US" i="1" dirty="0">
-                            <a:latin typeface="Cambria Math" panose="02040503050406030204" pitchFamily="18" charset="0"/>
-                          </a:rPr>
-                          <m:t>𝑡</m:t>
-                        </m:r>
-                      </m:e>
-                    </m:d>
-                    <m:r>
-                      <a:rPr lang="en-US" altLang="en-US" b="0" i="1" dirty="0" smtClean="0">
-                        <a:latin typeface="Cambria Math" panose="02040503050406030204" pitchFamily="18" charset="0"/>
-                      </a:rPr>
-                      <m:t>⋅</m:t>
-                    </m:r>
-                    <m:nary>
-                      <m:naryPr>
-                        <m:chr m:val="∑"/>
-                        <m:ctrlPr>
-                          <a:rPr lang="en-US" altLang="en-US" i="1" dirty="0">
-                            <a:latin typeface="Cambria Math" panose="02040503050406030204" pitchFamily="18" charset="0"/>
-                          </a:rPr>
-                        </m:ctrlPr>
-                      </m:naryPr>
-                      <m:sub>
-                        <m:r>
-                          <a:rPr lang="en-US" altLang="en-US" i="1" dirty="0" err="1">
-                            <a:latin typeface="Cambria Math" panose="02040503050406030204" pitchFamily="18" charset="0"/>
-                          </a:rPr>
-                          <m:t>𝑖</m:t>
-                        </m:r>
-                        <m:r>
-                          <a:rPr lang="en-US" altLang="en-US" i="1" dirty="0">
-                            <a:latin typeface="Cambria Math" panose="02040503050406030204" pitchFamily="18" charset="0"/>
-                          </a:rPr>
-                          <m:t>=0</m:t>
-                        </m:r>
-                      </m:sub>
-                      <m:sup>
-                        <m:r>
-                          <a:rPr lang="en-US" altLang="en-US" i="1" dirty="0">
-                            <a:latin typeface="Cambria Math" panose="02040503050406030204" pitchFamily="18" charset="0"/>
-                          </a:rPr>
-                          <m:t>𝑀</m:t>
-                        </m:r>
-                      </m:sup>
-                      <m:e>
-                        <m:r>
-                          <a:rPr lang="en-US" altLang="en-US" i="1" dirty="0">
-                            <a:latin typeface="Cambria Math" panose="02040503050406030204" pitchFamily="18" charset="0"/>
-                          </a:rPr>
-                          <m:t>𝑠𝑒𝑎𝑠𝑜𝑛𝑎𝑙</m:t>
-                        </m:r>
-                        <m:r>
-                          <a:rPr lang="en-US" altLang="en-US" i="1" dirty="0">
-                            <a:latin typeface="Cambria Math" panose="02040503050406030204" pitchFamily="18" charset="0"/>
-                          </a:rPr>
-                          <m:t>(</m:t>
-                        </m:r>
-                        <m:r>
-                          <a:rPr lang="en-US" altLang="en-US" i="1" dirty="0">
-                            <a:latin typeface="Cambria Math" panose="02040503050406030204" pitchFamily="18" charset="0"/>
-                          </a:rPr>
-                          <m:t>𝑡</m:t>
-                        </m:r>
-                        <m:r>
-                          <a:rPr lang="en-US" altLang="en-US" i="1" dirty="0">
-                            <a:latin typeface="Cambria Math" panose="02040503050406030204" pitchFamily="18" charset="0"/>
-                          </a:rPr>
-                          <m:t>)</m:t>
-                        </m:r>
-                      </m:e>
-                    </m:nary>
-                  </m:oMath>
-                </a14:m>
-                <a:endParaRPr lang="en-US" sz="2300" b="1" dirty="0" smtClean="0">
-                  <a:ea typeface="Calibri" panose="020F0502020204030204" pitchFamily="34" charset="0"/>
-                  <a:cs typeface="Times New Roman" panose="02020603050405020304" pitchFamily="18" charset="0"/>
-                </a:endParaRPr>
-              </a:p>
-              <a:p>
-                <a:pPr marL="228600" lvl="1"/>
-                <a:r>
-                  <a:rPr lang="ru-RU" sz="2000" b="1" dirty="0"/>
-                  <a:t>Выберите</a:t>
-                </a:r>
-                <a:r>
-                  <a:rPr lang="ru-RU" sz="2300" b="1" dirty="0" smtClean="0">
-                    <a:ea typeface="Calibri" panose="020F0502020204030204" pitchFamily="34" charset="0"/>
-                    <a:cs typeface="Times New Roman" panose="02020603050405020304" pitchFamily="18" charset="0"/>
-                  </a:rPr>
-                  <a:t> </a:t>
-                </a:r>
-                <a:r>
-                  <a:rPr lang="ru-RU" sz="2300" b="1" dirty="0">
-                    <a:ea typeface="Calibri" panose="020F0502020204030204" pitchFamily="34" charset="0"/>
-                    <a:cs typeface="Times New Roman" panose="02020603050405020304" pitchFamily="18" charset="0"/>
-                  </a:rPr>
-                  <a:t>примеры </a:t>
-                </a:r>
-                <a:r>
-                  <a:rPr lang="ru-RU" sz="2300" b="1" dirty="0" smtClean="0">
-                    <a:ea typeface="Calibri" panose="020F0502020204030204" pitchFamily="34" charset="0"/>
-                    <a:cs typeface="Times New Roman" panose="02020603050405020304" pitchFamily="18" charset="0"/>
-                  </a:rPr>
-                  <a:t>где изображен детерминированный тренд</a:t>
-                </a:r>
-              </a:p>
-              <a:p>
-                <a:pPr marL="914400" lvl="1" indent="-457200">
-                  <a:buFont typeface="+mj-lt"/>
-                  <a:buAutoNum type="arabicPeriod"/>
-                </a:pPr>
-                <a:endParaRPr lang="ru-RU" sz="2000" dirty="0" smtClean="0">
-                  <a:cs typeface="Times New Roman" panose="02020603050405020304" pitchFamily="18" charset="0"/>
-                </a:endParaRPr>
-              </a:p>
-              <a:p>
-                <a:pPr marL="914400" lvl="1" indent="-457200">
-                  <a:buFont typeface="+mj-lt"/>
-                  <a:buAutoNum type="arabicPeriod"/>
-                </a:pPr>
-                <a:endParaRPr lang="ru-RU" sz="2000" dirty="0">
-                  <a:cs typeface="Times New Roman" panose="02020603050405020304" pitchFamily="18" charset="0"/>
-                </a:endParaRPr>
-              </a:p>
-              <a:p>
-                <a:pPr marL="914400" lvl="1" indent="-457200">
-                  <a:buFont typeface="+mj-lt"/>
-                  <a:buAutoNum type="arabicPeriod"/>
-                </a:pPr>
-                <a:endParaRPr lang="ru-RU" sz="1900" dirty="0" smtClean="0">
-                  <a:ea typeface="Calibri" panose="020F0502020204030204" pitchFamily="34" charset="0"/>
-                  <a:cs typeface="Times New Roman" panose="02020603050405020304" pitchFamily="18" charset="0"/>
-                </a:endParaRPr>
-              </a:p>
-              <a:p>
-                <a:pPr marL="914400" lvl="1" indent="-457200">
-                  <a:buFont typeface="+mj-lt"/>
-                  <a:buAutoNum type="arabicPeriod"/>
-                </a:pPr>
-                <a:endParaRPr lang="ru-RU" sz="1900" dirty="0" smtClean="0">
-                  <a:ea typeface="Calibri" panose="020F0502020204030204" pitchFamily="34" charset="0"/>
-                  <a:cs typeface="Times New Roman" panose="02020603050405020304" pitchFamily="18" charset="0"/>
-                </a:endParaRPr>
-              </a:p>
-              <a:p>
-                <a:pPr marL="914400" lvl="1" indent="-457200">
-                  <a:buFont typeface="+mj-lt"/>
-                  <a:buAutoNum type="arabicPeriod"/>
-                </a:pPr>
-                <a:endParaRPr lang="ru-RU" sz="1900" b="1" dirty="0">
-                  <a:ea typeface="Calibri" panose="020F0502020204030204" pitchFamily="34" charset="0"/>
-                  <a:cs typeface="Times New Roman" panose="02020603050405020304" pitchFamily="18" charset="0"/>
-                </a:endParaRPr>
-              </a:p>
-            </p:txBody>
-          </p:sp>
-        </mc:Choice>
-        <mc:Fallback>
-          <p:sp>
-            <p:nvSpPr>
-              <p:cNvPr id="3" name="Объект 2">
-                <a:extLst>
-                  <a:ext uri="{FF2B5EF4-FFF2-40B4-BE49-F238E27FC236}">
-                    <a16:creationId xmlns:a16="http://schemas.microsoft.com/office/drawing/2014/main" id="{BE421393-E6D9-4C04-F323-217F01E33B93}"/>
-                  </a:ext>
-                </a:extLst>
-              </p:cNvPr>
-              <p:cNvSpPr>
-                <a:spLocks noGrp="1" noRot="1" noChangeAspect="1" noMove="1" noResize="1" noEditPoints="1" noAdjustHandles="1" noChangeArrowheads="1" noChangeShapeType="1" noTextEdit="1"/>
-              </p:cNvSpPr>
-              <p:nvPr>
-                <p:ph idx="1"/>
-              </p:nvPr>
-            </p:nvSpPr>
-            <p:spPr>
-              <a:xfrm>
-                <a:off x="398928" y="1075308"/>
-                <a:ext cx="11551645" cy="4284343"/>
-              </a:xfrm>
-              <a:blipFill>
-                <a:blip r:embed="rId2"/>
-                <a:stretch>
-                  <a:fillRect l="-369" t="-1991" b="-5690"/>
-                </a:stretch>
-              </a:blipFill>
-            </p:spPr>
-            <p:txBody>
-              <a:bodyPr/>
-              <a:lstStyle/>
-              <a:p>
-                <a:r>
-                  <a:rPr lang="ru-RU">
-                    <a:noFill/>
-                  </a:rPr>
-                  <a:t> </a:t>
-                </a:r>
-              </a:p>
-            </p:txBody>
-          </p:sp>
-        </mc:Fallback>
-      </mc:AlternateContent>
-      <p:pic>
-        <p:nvPicPr>
-          <p:cNvPr id="4" name="Picture 2" descr="2.3 Time series patterns | Forecasting: Principles and Practice (2nd ed)">
-            <a:extLst>
-              <a:ext uri="{FF2B5EF4-FFF2-40B4-BE49-F238E27FC236}">
-                <a16:creationId xmlns:a16="http://schemas.microsoft.com/office/drawing/2014/main" id="{0F2A85A7-019D-1C00-C9EB-40359FBD48D6}"/>
-              </a:ext>
-            </a:extLst>
-          </p:cNvPr>
-          <p:cNvPicPr>
-            <a:picLocks noChangeAspect="1" noChangeArrowheads="1"/>
-          </p:cNvPicPr>
-          <p:nvPr/>
-        </p:nvPicPr>
-        <p:blipFill rotWithShape="1">
-          <a:blip r:embed="rId3">
-            <a:extLst>
-              <a:ext uri="{28A0092B-C50C-407E-A947-70E740481C1C}">
-                <a14:useLocalDpi xmlns:a14="http://schemas.microsoft.com/office/drawing/2010/main" val="0"/>
-              </a:ext>
-            </a:extLst>
-          </a:blip>
-          <a:srcRect l="50841" t="6084" b="51446"/>
-          <a:stretch/>
-        </p:blipFill>
-        <p:spPr bwMode="auto">
-          <a:xfrm>
-            <a:off x="5202176" y="5160738"/>
-            <a:ext cx="2299580" cy="1226897"/>
-          </a:xfrm>
-          <a:prstGeom prst="rect">
-            <a:avLst/>
-          </a:prstGeom>
-          <a:noFill/>
-          <a:extLst>
-            <a:ext uri="{909E8E84-426E-40DD-AFC4-6F175D3DCCD1}">
-              <a14:hiddenFill xmlns:a14="http://schemas.microsoft.com/office/drawing/2010/main">
-                <a:solidFill>
-                  <a:srgbClr val="FFFFFF"/>
-                </a:solidFill>
-              </a14:hiddenFill>
-            </a:ext>
-          </a:extLst>
-        </p:spPr>
-      </p:pic>
-      <p:pic>
-        <p:nvPicPr>
-          <p:cNvPr id="5" name="Picture 2" descr="Time Series Analysis and Mining with R | R-bloggers">
-            <a:extLst>
-              <a:ext uri="{FF2B5EF4-FFF2-40B4-BE49-F238E27FC236}">
-                <a16:creationId xmlns:a16="http://schemas.microsoft.com/office/drawing/2014/main" id="{4AF71035-C944-9810-66DF-C6010041DD91}"/>
-              </a:ext>
-            </a:extLst>
-          </p:cNvPr>
-          <p:cNvPicPr>
-            <a:picLocks noChangeAspect="1" noChangeArrowheads="1"/>
-          </p:cNvPicPr>
-          <p:nvPr/>
-        </p:nvPicPr>
-        <p:blipFill rotWithShape="1">
-          <a:blip r:embed="rId4">
-            <a:extLst>
-              <a:ext uri="{28A0092B-C50C-407E-A947-70E740481C1C}">
-                <a14:useLocalDpi xmlns:a14="http://schemas.microsoft.com/office/drawing/2010/main" val="0"/>
-              </a:ext>
-            </a:extLst>
-          </a:blip>
-          <a:srcRect l="5246" t="67254" b="7251"/>
-          <a:stretch/>
-        </p:blipFill>
-        <p:spPr bwMode="auto">
-          <a:xfrm>
-            <a:off x="7704293" y="5072016"/>
-            <a:ext cx="3230248" cy="869133"/>
-          </a:xfrm>
-          <a:prstGeom prst="rect">
-            <a:avLst/>
-          </a:prstGeom>
-          <a:noFill/>
-          <a:extLst>
-            <a:ext uri="{909E8E84-426E-40DD-AFC4-6F175D3DCCD1}">
-              <a14:hiddenFill xmlns:a14="http://schemas.microsoft.com/office/drawing/2010/main">
-                <a:solidFill>
-                  <a:srgbClr val="FFFFFF"/>
-                </a:solidFill>
-              </a14:hiddenFill>
-            </a:ext>
-          </a:extLst>
-        </p:spPr>
-      </p:pic>
-      <p:sp>
-        <p:nvSpPr>
-          <p:cNvPr id="6" name="TextBox 5"/>
-          <p:cNvSpPr txBox="1"/>
-          <p:nvPr/>
-        </p:nvSpPr>
-        <p:spPr>
-          <a:xfrm>
-            <a:off x="6900234" y="5137251"/>
-            <a:ext cx="301686" cy="369332"/>
-          </a:xfrm>
-          <a:prstGeom prst="rect">
-            <a:avLst/>
-          </a:prstGeom>
-          <a:noFill/>
-        </p:spPr>
-        <p:txBody>
-          <a:bodyPr wrap="none" rtlCol="0">
-            <a:spAutoFit/>
-          </a:bodyPr>
-          <a:lstStyle/>
-          <a:p>
-            <a:r>
-              <a:rPr lang="ru-RU" dirty="0" smtClean="0"/>
-              <a:t>3</a:t>
-            </a:r>
-            <a:endParaRPr lang="ru-RU" dirty="0"/>
-          </a:p>
-        </p:txBody>
-      </p:sp>
-      <p:sp>
-        <p:nvSpPr>
-          <p:cNvPr id="7" name="TextBox 6"/>
-          <p:cNvSpPr txBox="1"/>
-          <p:nvPr/>
-        </p:nvSpPr>
-        <p:spPr>
-          <a:xfrm>
-            <a:off x="7857115" y="5150171"/>
-            <a:ext cx="301686" cy="369332"/>
-          </a:xfrm>
-          <a:prstGeom prst="rect">
-            <a:avLst/>
-          </a:prstGeom>
-          <a:noFill/>
-        </p:spPr>
-        <p:txBody>
-          <a:bodyPr wrap="none" rtlCol="0">
-            <a:spAutoFit/>
-          </a:bodyPr>
-          <a:lstStyle/>
-          <a:p>
-            <a:r>
-              <a:rPr lang="ru-RU" dirty="0" smtClean="0"/>
-              <a:t>4</a:t>
-            </a:r>
-            <a:endParaRPr lang="ru-RU" dirty="0"/>
-          </a:p>
-        </p:txBody>
-      </p:sp>
-      <p:pic>
-        <p:nvPicPr>
-          <p:cNvPr id="8" name="Picture 2" descr="undefined">
-            <a:extLst>
-              <a:ext uri="{FF2B5EF4-FFF2-40B4-BE49-F238E27FC236}">
-                <a16:creationId xmlns:a16="http://schemas.microsoft.com/office/drawing/2014/main" id="{BE376DED-214A-C576-360D-86DA32175202}"/>
-              </a:ext>
-            </a:extLst>
-          </p:cNvPr>
-          <p:cNvPicPr>
-            <a:picLocks noChangeAspect="1" noChangeArrowheads="1"/>
-          </p:cNvPicPr>
-          <p:nvPr/>
-        </p:nvPicPr>
-        <p:blipFill rotWithShape="1">
-          <a:blip r:embed="rId5">
-            <a:extLst>
-              <a:ext uri="{28A0092B-C50C-407E-A947-70E740481C1C}">
-                <a14:useLocalDpi xmlns:a14="http://schemas.microsoft.com/office/drawing/2010/main" val="0"/>
-              </a:ext>
-            </a:extLst>
-          </a:blip>
-          <a:srcRect l="5666" b="4325"/>
-          <a:stretch/>
-        </p:blipFill>
-        <p:spPr bwMode="auto">
-          <a:xfrm>
-            <a:off x="3343084" y="5160738"/>
-            <a:ext cx="1799706" cy="1498153"/>
-          </a:xfrm>
-          <a:prstGeom prst="rect">
-            <a:avLst/>
-          </a:prstGeom>
-          <a:noFill/>
-          <a:extLst>
-            <a:ext uri="{909E8E84-426E-40DD-AFC4-6F175D3DCCD1}">
-              <a14:hiddenFill xmlns:a14="http://schemas.microsoft.com/office/drawing/2010/main">
-                <a:solidFill>
-                  <a:srgbClr val="FFFFFF"/>
-                </a:solidFill>
-              </a14:hiddenFill>
-            </a:ext>
-          </a:extLst>
-        </p:spPr>
-      </p:pic>
-      <p:sp>
-        <p:nvSpPr>
-          <p:cNvPr id="9" name="TextBox 8"/>
-          <p:cNvSpPr txBox="1"/>
-          <p:nvPr/>
-        </p:nvSpPr>
-        <p:spPr>
-          <a:xfrm>
-            <a:off x="3402470" y="5194416"/>
-            <a:ext cx="542136" cy="369332"/>
-          </a:xfrm>
-          <a:prstGeom prst="rect">
-            <a:avLst/>
-          </a:prstGeom>
-          <a:noFill/>
-        </p:spPr>
-        <p:txBody>
-          <a:bodyPr wrap="none" rtlCol="0">
-            <a:spAutoFit/>
-          </a:bodyPr>
-          <a:lstStyle/>
-          <a:p>
-            <a:r>
-              <a:rPr lang="en-US" dirty="0" smtClean="0"/>
-              <a:t>2(x)</a:t>
-            </a:r>
-            <a:endParaRPr lang="ru-RU" dirty="0"/>
-          </a:p>
-        </p:txBody>
-      </p:sp>
-      <p:pic>
-        <p:nvPicPr>
-          <p:cNvPr id="10" name="Picture 2" descr="image.png">
-            <a:extLst>
-              <a:ext uri="{FF2B5EF4-FFF2-40B4-BE49-F238E27FC236}">
-                <a16:creationId xmlns:a16="http://schemas.microsoft.com/office/drawing/2014/main" id="{FF68EEDA-1B95-4127-8219-70FF25BBDC3C}"/>
-              </a:ext>
-            </a:extLst>
-          </p:cNvPr>
-          <p:cNvPicPr>
-            <a:picLocks noChangeAspect="1" noChangeArrowheads="1"/>
-          </p:cNvPicPr>
-          <p:nvPr/>
-        </p:nvPicPr>
-        <p:blipFill rotWithShape="1">
-          <a:blip r:embed="rId6">
-            <a:extLst>
-              <a:ext uri="{28A0092B-C50C-407E-A947-70E740481C1C}">
-                <a14:useLocalDpi xmlns:a14="http://schemas.microsoft.com/office/drawing/2010/main" val="0"/>
-              </a:ext>
-            </a:extLst>
-          </a:blip>
-          <a:srcRect l="10211" t="18837" r="6771" b="61654"/>
-          <a:stretch/>
-        </p:blipFill>
-        <p:spPr bwMode="auto">
-          <a:xfrm>
-            <a:off x="350391" y="5246200"/>
-            <a:ext cx="2834733" cy="851027"/>
-          </a:xfrm>
-          <a:prstGeom prst="rect">
-            <a:avLst/>
-          </a:prstGeom>
-          <a:noFill/>
-          <a:extLst>
-            <a:ext uri="{909E8E84-426E-40DD-AFC4-6F175D3DCCD1}">
-              <a14:hiddenFill xmlns:a14="http://schemas.microsoft.com/office/drawing/2010/main">
-                <a:solidFill>
-                  <a:srgbClr val="FFFFFF"/>
-                </a:solidFill>
-              </a14:hiddenFill>
-            </a:ext>
-          </a:extLst>
-        </p:spPr>
-      </p:pic>
-      <p:sp>
-        <p:nvSpPr>
-          <p:cNvPr id="11" name="TextBox 10"/>
-          <p:cNvSpPr txBox="1"/>
-          <p:nvPr/>
-        </p:nvSpPr>
-        <p:spPr>
-          <a:xfrm>
-            <a:off x="406804" y="5547161"/>
-            <a:ext cx="595035" cy="369332"/>
-          </a:xfrm>
-          <a:prstGeom prst="rect">
-            <a:avLst/>
-          </a:prstGeom>
-          <a:noFill/>
-        </p:spPr>
-        <p:txBody>
-          <a:bodyPr wrap="none" rtlCol="0">
-            <a:spAutoFit/>
-          </a:bodyPr>
-          <a:lstStyle/>
-          <a:p>
-            <a:r>
-              <a:rPr lang="ru-RU" dirty="0" smtClean="0"/>
-              <a:t>1</a:t>
-            </a:r>
-            <a:r>
-              <a:rPr lang="en-US" dirty="0" smtClean="0"/>
-              <a:t> (x)</a:t>
-            </a:r>
-            <a:endParaRPr lang="ru-RU" dirty="0"/>
-          </a:p>
-        </p:txBody>
-      </p:sp>
-      <p:pic>
-        <p:nvPicPr>
-          <p:cNvPr id="12" name="Picture 2" descr="Time Series Analysis and Mining with R | R-bloggers">
-            <a:extLst>
-              <a:ext uri="{FF2B5EF4-FFF2-40B4-BE49-F238E27FC236}">
-                <a16:creationId xmlns:a16="http://schemas.microsoft.com/office/drawing/2014/main" id="{4AF71035-C944-9810-66DF-C6010041DD91}"/>
-              </a:ext>
-            </a:extLst>
-          </p:cNvPr>
-          <p:cNvPicPr>
-            <a:picLocks noChangeAspect="1" noChangeArrowheads="1"/>
-          </p:cNvPicPr>
-          <p:nvPr/>
-        </p:nvPicPr>
-        <p:blipFill rotWithShape="1">
-          <a:blip r:embed="rId4">
-            <a:extLst>
-              <a:ext uri="{28A0092B-C50C-407E-A947-70E740481C1C}">
-                <a14:useLocalDpi xmlns:a14="http://schemas.microsoft.com/office/drawing/2010/main" val="0"/>
-              </a:ext>
-            </a:extLst>
-          </a:blip>
-          <a:srcRect l="10117" t="48420" r="3332" b="31999"/>
-          <a:stretch/>
-        </p:blipFill>
-        <p:spPr bwMode="auto">
-          <a:xfrm>
-            <a:off x="7857115" y="6003732"/>
-            <a:ext cx="3180797" cy="734031"/>
-          </a:xfrm>
-          <a:prstGeom prst="rect">
-            <a:avLst/>
-          </a:prstGeom>
-          <a:noFill/>
-          <a:extLst>
-            <a:ext uri="{909E8E84-426E-40DD-AFC4-6F175D3DCCD1}">
-              <a14:hiddenFill xmlns:a14="http://schemas.microsoft.com/office/drawing/2010/main">
-                <a:solidFill>
-                  <a:srgbClr val="FFFFFF"/>
-                </a:solidFill>
-              </a14:hiddenFill>
-            </a:ext>
-          </a:extLst>
-        </p:spPr>
-      </p:pic>
-      <p:sp>
-        <p:nvSpPr>
-          <p:cNvPr id="13" name="TextBox 12"/>
-          <p:cNvSpPr txBox="1"/>
-          <p:nvPr/>
-        </p:nvSpPr>
-        <p:spPr>
-          <a:xfrm>
-            <a:off x="7804996" y="5966514"/>
-            <a:ext cx="301686" cy="369332"/>
-          </a:xfrm>
-          <a:prstGeom prst="rect">
-            <a:avLst/>
-          </a:prstGeom>
-          <a:noFill/>
-        </p:spPr>
-        <p:txBody>
-          <a:bodyPr wrap="none" rtlCol="0">
-            <a:spAutoFit/>
-          </a:bodyPr>
-          <a:lstStyle/>
-          <a:p>
-            <a:r>
-              <a:rPr lang="ru-RU" dirty="0" smtClean="0"/>
-              <a:t>5</a:t>
-            </a:r>
-            <a:endParaRPr lang="ru-RU" dirty="0"/>
-          </a:p>
-        </p:txBody>
-      </p:sp>
-    </p:spTree>
-    <p:extLst>
-      <p:ext uri="{BB962C8B-B14F-4D97-AF65-F5344CB8AC3E}">
-        <p14:creationId xmlns:p14="http://schemas.microsoft.com/office/powerpoint/2010/main" val="2984398701"/>
       </p:ext>
     </p:extLst>
   </p:cSld>
@@ -13265,6 +11153,150 @@
           </a:extLst>
         </p:spPr>
       </p:pic>
+      <p:sp>
+        <p:nvSpPr>
+          <p:cNvPr id="7" name="Скругленный прямоугольник 6"/>
+          <p:cNvSpPr/>
+          <p:nvPr/>
+        </p:nvSpPr>
+        <p:spPr>
+          <a:xfrm>
+            <a:off x="170329" y="2716306"/>
+            <a:ext cx="5872965" cy="2178423"/>
+          </a:xfrm>
+          <a:prstGeom prst="roundRect">
+            <a:avLst/>
+          </a:prstGeom>
+          <a:noFill/>
+          <a:ln w="31750"/>
+        </p:spPr>
+        <p:style>
+          <a:lnRef idx="2">
+            <a:schemeClr val="accent1">
+              <a:shade val="50000"/>
+            </a:schemeClr>
+          </a:lnRef>
+          <a:fillRef idx="1">
+            <a:schemeClr val="accent1"/>
+          </a:fillRef>
+          <a:effectRef idx="0">
+            <a:schemeClr val="accent1"/>
+          </a:effectRef>
+          <a:fontRef idx="minor">
+            <a:schemeClr val="lt1"/>
+          </a:fontRef>
+        </p:style>
+        <p:txBody>
+          <a:bodyPr rtlCol="0" anchor="ctr"/>
+          <a:lstStyle/>
+          <a:p>
+            <a:pPr algn="ctr"/>
+            <a:endParaRPr lang="ru-RU"/>
+          </a:p>
+        </p:txBody>
+      </p:sp>
+      <p:sp>
+        <p:nvSpPr>
+          <p:cNvPr id="10" name="Скругленный прямоугольник 9"/>
+          <p:cNvSpPr/>
+          <p:nvPr/>
+        </p:nvSpPr>
+        <p:spPr>
+          <a:xfrm>
+            <a:off x="108098" y="4894729"/>
+            <a:ext cx="5872965" cy="1761079"/>
+          </a:xfrm>
+          <a:prstGeom prst="roundRect">
+            <a:avLst/>
+          </a:prstGeom>
+          <a:noFill/>
+          <a:ln w="31750"/>
+        </p:spPr>
+        <p:style>
+          <a:lnRef idx="2">
+            <a:schemeClr val="accent1">
+              <a:shade val="50000"/>
+            </a:schemeClr>
+          </a:lnRef>
+          <a:fillRef idx="1">
+            <a:schemeClr val="accent1"/>
+          </a:fillRef>
+          <a:effectRef idx="0">
+            <a:schemeClr val="accent1"/>
+          </a:effectRef>
+          <a:fontRef idx="minor">
+            <a:schemeClr val="lt1"/>
+          </a:fontRef>
+        </p:style>
+        <p:txBody>
+          <a:bodyPr rtlCol="0" anchor="ctr"/>
+          <a:lstStyle/>
+          <a:p>
+            <a:pPr algn="ctr"/>
+            <a:endParaRPr lang="ru-RU"/>
+          </a:p>
+        </p:txBody>
+      </p:sp>
+      <p:sp>
+        <p:nvSpPr>
+          <p:cNvPr id="8" name="TextBox 7"/>
+          <p:cNvSpPr txBox="1"/>
+          <p:nvPr/>
+        </p:nvSpPr>
+        <p:spPr>
+          <a:xfrm>
+            <a:off x="1521911" y="2711900"/>
+            <a:ext cx="2791213" cy="369332"/>
+          </a:xfrm>
+          <a:prstGeom prst="rect">
+            <a:avLst/>
+          </a:prstGeom>
+          <a:noFill/>
+        </p:spPr>
+        <p:txBody>
+          <a:bodyPr wrap="none" rtlCol="0">
+            <a:spAutoFit/>
+          </a:bodyPr>
+          <a:lstStyle/>
+          <a:p>
+            <a:r>
+              <a:rPr lang="ru-RU" dirty="0" smtClean="0"/>
+              <a:t>Детерминированная часть</a:t>
+            </a:r>
+            <a:endParaRPr lang="ru-RU" dirty="0"/>
+          </a:p>
+        </p:txBody>
+      </p:sp>
+      <p:sp>
+        <p:nvSpPr>
+          <p:cNvPr id="12" name="TextBox 11"/>
+          <p:cNvSpPr txBox="1"/>
+          <p:nvPr/>
+        </p:nvSpPr>
+        <p:spPr>
+          <a:xfrm>
+            <a:off x="152781" y="5963436"/>
+            <a:ext cx="5721096" cy="646331"/>
+          </a:xfrm>
+          <a:prstGeom prst="rect">
+            <a:avLst/>
+          </a:prstGeom>
+          <a:noFill/>
+        </p:spPr>
+        <p:txBody>
+          <a:bodyPr wrap="square" rtlCol="0">
+            <a:spAutoFit/>
+          </a:bodyPr>
+          <a:lstStyle/>
+          <a:p>
+            <a:r>
+              <a:rPr lang="ru-RU" dirty="0" smtClean="0"/>
+              <a:t>Необъясненная информация – мы хотим чтобы тут была чисто стохастическая часть</a:t>
+            </a:r>
+            <a:endParaRPr lang="ru-RU" dirty="0"/>
+          </a:p>
+        </p:txBody>
+      </p:sp>
     </p:spTree>
     <p:extLst>
       <p:ext uri="{BB962C8B-B14F-4D97-AF65-F5344CB8AC3E}">
